--- a/Lab/Poster.pptx
+++ b/Lab/Poster.pptx
@@ -2976,7 +2976,7 @@
           <p:cNvPr id="10" name="矩形 9">
             <a:extLst>
               <a:ext uri="{FF2B5EF4-FFF2-40B4-BE49-F238E27FC236}">
-                <a16:creationId xmlns:a16="http://schemas.microsoft.com/office/drawing/2014/main" xmlns="" id="{09DCB411-B794-4E09-801F-4ACA987FB7E9}"/>
+                <a16:creationId xmlns:a16="http://schemas.microsoft.com/office/drawing/2014/main" id="{09DCB411-B794-4E09-801F-4ACA987FB7E9}"/>
               </a:ext>
             </a:extLst>
           </p:cNvPr>
@@ -3043,7 +3043,7 @@
           <p:cNvPr id="34" name="Rectangle 2">
             <a:extLst>
               <a:ext uri="{FF2B5EF4-FFF2-40B4-BE49-F238E27FC236}">
-                <a16:creationId xmlns:a16="http://schemas.microsoft.com/office/drawing/2014/main" xmlns="" id="{D3AA981E-693D-4B52-BD5C-C3D28D2DD0F1}"/>
+                <a16:creationId xmlns:a16="http://schemas.microsoft.com/office/drawing/2014/main" id="{D3AA981E-693D-4B52-BD5C-C3D28D2DD0F1}"/>
               </a:ext>
             </a:extLst>
           </p:cNvPr>
@@ -3122,7 +3122,127 @@
                 <a:ea typeface="inherit"/>
                 <a:cs typeface="Times New Roman" panose="02020603050405020304" pitchFamily="18" charset="0"/>
               </a:rPr>
-              <a:t>Our proposed model, EDM-RoBERTa uses SHA-RNN to improve the Multi-headed Attention </a:t>
+              <a:t>Our proposed model, EDM-RoBERTa</a:t>
+            </a:r>
+            <a:r>
+              <a:rPr kumimoji="0" lang="en-US" altLang="zh-TW" sz="4000" b="0" i="0" u="none" strike="noStrike" cap="none" normalizeH="0" baseline="0" dirty="0">
+                <a:ln>
+                  <a:noFill/>
+                </a:ln>
+                <a:solidFill>
+                  <a:srgbClr val="202124"/>
+                </a:solidFill>
+                <a:effectLst/>
+                <a:latin typeface="Times New Roman" panose="02020603050405020304" pitchFamily="18" charset="0"/>
+                <a:ea typeface="inherit"/>
+                <a:cs typeface="Times New Roman" panose="02020603050405020304" pitchFamily="18" charset="0"/>
+              </a:rPr>
+              <a:t>,</a:t>
+            </a:r>
+            <a:r>
+              <a:rPr kumimoji="0" lang="zh-TW" altLang="zh-TW" sz="4000" b="0" i="0" u="none" strike="noStrike" cap="none" normalizeH="0" baseline="0" dirty="0">
+                <a:ln>
+                  <a:noFill/>
+                </a:ln>
+                <a:solidFill>
+                  <a:srgbClr val="202124"/>
+                </a:solidFill>
+                <a:effectLst/>
+                <a:latin typeface="Times New Roman" panose="02020603050405020304" pitchFamily="18" charset="0"/>
+                <a:ea typeface="inherit"/>
+                <a:cs typeface="Times New Roman" panose="02020603050405020304" pitchFamily="18" charset="0"/>
+              </a:rPr>
+              <a:t> uses </a:t>
+            </a:r>
+            <a:r>
+              <a:rPr kumimoji="0" lang="en-US" altLang="zh-TW" sz="4000" b="0" i="0" u="none" strike="noStrike" cap="none" normalizeH="0" baseline="0" dirty="0">
+                <a:ln>
+                  <a:noFill/>
+                </a:ln>
+                <a:solidFill>
+                  <a:srgbClr val="202124"/>
+                </a:solidFill>
+                <a:effectLst/>
+                <a:latin typeface="Times New Roman" panose="02020603050405020304" pitchFamily="18" charset="0"/>
+                <a:ea typeface="inherit"/>
+                <a:cs typeface="Times New Roman" panose="02020603050405020304" pitchFamily="18" charset="0"/>
+              </a:rPr>
+              <a:t>the Boom Layer</a:t>
+            </a:r>
+            <a:r>
+              <a:rPr kumimoji="0" lang="zh-TW" altLang="zh-TW" sz="4000" b="0" i="0" u="none" strike="noStrike" cap="none" normalizeH="0" baseline="0" dirty="0">
+                <a:ln>
+                  <a:noFill/>
+                </a:ln>
+                <a:solidFill>
+                  <a:srgbClr val="202124"/>
+                </a:solidFill>
+                <a:effectLst/>
+                <a:latin typeface="Times New Roman" panose="02020603050405020304" pitchFamily="18" charset="0"/>
+                <a:ea typeface="inherit"/>
+                <a:cs typeface="Times New Roman" panose="02020603050405020304" pitchFamily="18" charset="0"/>
+              </a:rPr>
+              <a:t> to improve the </a:t>
+            </a:r>
+            <a:r>
+              <a:rPr kumimoji="0" lang="en-US" altLang="zh-TW" sz="4000" b="0" i="0" u="none" strike="noStrike" cap="none" normalizeH="0" baseline="0" dirty="0">
+                <a:ln>
+                  <a:noFill/>
+                </a:ln>
+                <a:solidFill>
+                  <a:srgbClr val="202124"/>
+                </a:solidFill>
+                <a:effectLst/>
+                <a:latin typeface="Times New Roman" panose="02020603050405020304" pitchFamily="18" charset="0"/>
+                <a:ea typeface="inherit"/>
+                <a:cs typeface="Times New Roman" panose="02020603050405020304" pitchFamily="18" charset="0"/>
+              </a:rPr>
+              <a:t>m</a:t>
+            </a:r>
+            <a:r>
+              <a:rPr kumimoji="0" lang="zh-TW" altLang="zh-TW" sz="4000" b="0" i="0" u="none" strike="noStrike" cap="none" normalizeH="0" baseline="0" dirty="0">
+                <a:ln>
+                  <a:noFill/>
+                </a:ln>
+                <a:solidFill>
+                  <a:srgbClr val="202124"/>
+                </a:solidFill>
+                <a:effectLst/>
+                <a:latin typeface="Times New Roman" panose="02020603050405020304" pitchFamily="18" charset="0"/>
+                <a:ea typeface="inherit"/>
+                <a:cs typeface="Times New Roman" panose="02020603050405020304" pitchFamily="18" charset="0"/>
+              </a:rPr>
+              <a:t>ulti-headed </a:t>
+            </a:r>
+            <a:r>
+              <a:rPr kumimoji="0" lang="en-US" altLang="zh-TW" sz="4000" b="0" i="0" u="none" strike="noStrike" cap="none" normalizeH="0" baseline="0" dirty="0">
+                <a:ln>
+                  <a:noFill/>
+                </a:ln>
+                <a:solidFill>
+                  <a:srgbClr val="202124"/>
+                </a:solidFill>
+                <a:effectLst/>
+                <a:latin typeface="Times New Roman" panose="02020603050405020304" pitchFamily="18" charset="0"/>
+                <a:ea typeface="inherit"/>
+                <a:cs typeface="Times New Roman" panose="02020603050405020304" pitchFamily="18" charset="0"/>
+              </a:rPr>
+              <a:t>a</a:t>
+            </a:r>
+            <a:r>
+              <a:rPr kumimoji="0" lang="zh-TW" altLang="zh-TW" sz="4000" b="0" i="0" u="none" strike="noStrike" cap="none" normalizeH="0" baseline="0" dirty="0">
+                <a:ln>
+                  <a:noFill/>
+                </a:ln>
+                <a:solidFill>
+                  <a:srgbClr val="202124"/>
+                </a:solidFill>
+                <a:effectLst/>
+                <a:latin typeface="Times New Roman" panose="02020603050405020304" pitchFamily="18" charset="0"/>
+                <a:ea typeface="inherit"/>
+                <a:cs typeface="Times New Roman" panose="02020603050405020304" pitchFamily="18" charset="0"/>
+              </a:rPr>
+              <a:t>ttention </a:t>
             </a:r>
             <a:endParaRPr kumimoji="0" lang="en-US" altLang="zh-TW" sz="4000" b="0" i="0" u="none" strike="noStrike" cap="none" normalizeH="0" baseline="0" dirty="0">
               <a:ln>
@@ -3182,7 +3302,7 @@
                 <a:ea typeface="inherit"/>
                 <a:cs typeface="Times New Roman" panose="02020603050405020304" pitchFamily="18" charset="0"/>
               </a:rPr>
-              <a:t> encoder of </a:t>
+              <a:t> encoder of</a:t>
             </a:r>
             <a:r>
               <a:rPr lang="en-US" altLang="zh-TW" sz="4000" dirty="0">
@@ -3193,7 +3313,7 @@
                 <a:ea typeface="inherit"/>
                 <a:cs typeface="Times New Roman" panose="02020603050405020304" pitchFamily="18" charset="0"/>
               </a:rPr>
-              <a:t> </a:t>
+              <a:t> T</a:t>
             </a:r>
             <a:r>
               <a:rPr kumimoji="0" lang="zh-TW" altLang="zh-TW" sz="4000" b="0" i="0" u="none" strike="noStrike" cap="none" normalizeH="0" baseline="0" dirty="0">
@@ -3208,7 +3328,7 @@
                 <a:ea typeface="inherit"/>
                 <a:cs typeface="Times New Roman" panose="02020603050405020304" pitchFamily="18" charset="0"/>
               </a:rPr>
-              <a:t>Transformer</a:t>
+              <a:t>ransformer</a:t>
             </a:r>
             <a:r>
               <a:rPr kumimoji="0" lang="en-US" altLang="zh-TW" sz="4000" b="0" i="0" u="none" strike="noStrike" cap="none" normalizeH="0" baseline="0" dirty="0">
@@ -3299,10 +3419,10 @@
                 <a:ea typeface="inherit"/>
                 <a:cs typeface="Times New Roman" panose="02020603050405020304" pitchFamily="18" charset="0"/>
               </a:rPr>
-              <a:t>SHA-RNN models, the reorganization of </a:t>
-            </a:r>
-            <a:r>
-              <a:rPr kumimoji="0" lang="en-US" altLang="zh-TW" sz="4000" b="0" i="0" u="none" strike="noStrike" cap="none" normalizeH="0" baseline="0" dirty="0">
+              <a:t>SHA-RNN models, the reorganization of</a:t>
+            </a:r>
+            <a:r>
+              <a:rPr kumimoji="0" lang="en-US" altLang="zh-TW" sz="4000" b="0" i="0" u="none" strike="noStrike" cap="none" normalizeH="0" baseline="0">
                 <a:ln>
                   <a:noFill/>
                 </a:ln>
@@ -3317,7 +3437,7 @@
               <a:t> </a:t>
             </a:r>
             <a:r>
-              <a:rPr kumimoji="0" lang="zh-TW" altLang="zh-TW" sz="4000" b="0" i="0" u="none" strike="noStrike" cap="none" normalizeH="0" baseline="0" dirty="0">
+              <a:rPr kumimoji="0" lang="zh-TW" altLang="zh-TW" sz="4000" b="0" i="0" u="none" strike="noStrike" cap="none" normalizeH="0" baseline="0">
                 <a:ln>
                   <a:noFill/>
                 </a:ln>
@@ -3341,6 +3461,384 @@
               <a:effectLst/>
               <a:latin typeface="Times New Roman" panose="02020603050405020304" pitchFamily="18" charset="0"/>
               <a:ea typeface="inherit"/>
+              <a:cs typeface="Times New Roman" panose="02020603050405020304" pitchFamily="18" charset="0"/>
+            </a:endParaRPr>
+          </a:p>
+          <a:p>
+            <a:pPr lvl="0" defTabSz="914400" eaLnBrk="0" fontAlgn="base" hangingPunct="0">
+              <a:spcBef>
+                <a:spcPct val="0"/>
+              </a:spcBef>
+              <a:spcAft>
+                <a:spcPct val="0"/>
+              </a:spcAft>
+            </a:pPr>
+            <a:r>
+              <a:rPr kumimoji="0" lang="zh-TW" altLang="zh-TW" sz="4000" b="0" i="0" u="none" strike="noStrike" cap="none" normalizeH="0" baseline="0" dirty="0">
+                <a:ln>
+                  <a:noFill/>
+                </a:ln>
+                <a:solidFill>
+                  <a:srgbClr val="202124"/>
+                </a:solidFill>
+                <a:effectLst/>
+                <a:latin typeface="Times New Roman" panose="02020603050405020304" pitchFamily="18" charset="0"/>
+                <a:ea typeface="inherit"/>
+                <a:cs typeface="Times New Roman" panose="02020603050405020304" pitchFamily="18" charset="0"/>
+              </a:rPr>
+              <a:t>Layer and RoBERTa can meet </a:t>
+            </a:r>
+            <a:r>
+              <a:rPr kumimoji="0" lang="en-US" altLang="zh-TW" sz="4000" b="0" i="0" u="none" strike="noStrike" cap="none" normalizeH="0" baseline="0" dirty="0">
+                <a:ln>
+                  <a:noFill/>
+                </a:ln>
+                <a:solidFill>
+                  <a:srgbClr val="202124"/>
+                </a:solidFill>
+                <a:effectLst/>
+                <a:latin typeface="Times New Roman" panose="02020603050405020304" pitchFamily="18" charset="0"/>
+                <a:ea typeface="inherit"/>
+                <a:cs typeface="Times New Roman" panose="02020603050405020304" pitchFamily="18" charset="0"/>
+              </a:rPr>
+              <a:t>both </a:t>
+            </a:r>
+            <a:r>
+              <a:rPr kumimoji="0" lang="zh-TW" altLang="zh-TW" sz="4000" b="0" i="0" u="none" strike="noStrike" cap="none" normalizeH="0" baseline="0" dirty="0">
+                <a:ln>
+                  <a:noFill/>
+                </a:ln>
+                <a:solidFill>
+                  <a:srgbClr val="202124"/>
+                </a:solidFill>
+                <a:effectLst/>
+                <a:latin typeface="Times New Roman" panose="02020603050405020304" pitchFamily="18" charset="0"/>
+                <a:ea typeface="inherit"/>
+                <a:cs typeface="Times New Roman" panose="02020603050405020304" pitchFamily="18" charset="0"/>
+              </a:rPr>
+              <a:t>long and short</a:t>
+            </a:r>
+            <a:br>
+              <a:rPr kumimoji="0" lang="en-US" altLang="zh-TW" sz="4000" b="0" i="0" u="none" strike="noStrike" cap="none" normalizeH="0" baseline="0" dirty="0">
+                <a:ln>
+                  <a:noFill/>
+                </a:ln>
+                <a:solidFill>
+                  <a:srgbClr val="202124"/>
+                </a:solidFill>
+                <a:effectLst/>
+                <a:latin typeface="Times New Roman" panose="02020603050405020304" pitchFamily="18" charset="0"/>
+                <a:ea typeface="inherit"/>
+                <a:cs typeface="Times New Roman" panose="02020603050405020304" pitchFamily="18" charset="0"/>
+              </a:rPr>
+            </a:br>
+            <a:r>
+              <a:rPr kumimoji="0" lang="zh-TW" altLang="zh-TW" sz="4000" b="0" i="0" u="none" strike="noStrike" cap="none" normalizeH="0" baseline="0" dirty="0">
+                <a:ln>
+                  <a:noFill/>
+                </a:ln>
+                <a:solidFill>
+                  <a:srgbClr val="202124"/>
+                </a:solidFill>
+                <a:effectLst/>
+                <a:latin typeface="Times New Roman" panose="02020603050405020304" pitchFamily="18" charset="0"/>
+                <a:ea typeface="inherit"/>
+                <a:cs typeface="Times New Roman" panose="02020603050405020304" pitchFamily="18" charset="0"/>
+              </a:rPr>
+              <a:t> </a:t>
+            </a:r>
+            <a:r>
+              <a:rPr kumimoji="0" lang="en-US" altLang="zh-TW" sz="4000" b="0" i="0" u="none" strike="noStrike" cap="none" normalizeH="0" baseline="0" dirty="0">
+                <a:ln>
+                  <a:noFill/>
+                </a:ln>
+                <a:solidFill>
+                  <a:srgbClr val="202124"/>
+                </a:solidFill>
+                <a:effectLst/>
+                <a:latin typeface="Times New Roman" panose="02020603050405020304" pitchFamily="18" charset="0"/>
+                <a:ea typeface="inherit"/>
+                <a:cs typeface="Times New Roman" panose="02020603050405020304" pitchFamily="18" charset="0"/>
+              </a:rPr>
+              <a:t>input</a:t>
+            </a:r>
+            <a:r>
+              <a:rPr kumimoji="0" lang="en-US" altLang="zh-TW" sz="4000" b="0" i="0" u="none" strike="noStrike" cap="none" normalizeH="0" dirty="0">
+                <a:ln>
+                  <a:noFill/>
+                </a:ln>
+                <a:solidFill>
+                  <a:srgbClr val="202124"/>
+                </a:solidFill>
+                <a:effectLst/>
+                <a:latin typeface="Times New Roman" panose="02020603050405020304" pitchFamily="18" charset="0"/>
+                <a:ea typeface="inherit"/>
+                <a:cs typeface="Times New Roman" panose="02020603050405020304" pitchFamily="18" charset="0"/>
+              </a:rPr>
+              <a:t> </a:t>
+            </a:r>
+            <a:r>
+              <a:rPr kumimoji="0" lang="zh-TW" altLang="zh-TW" sz="4000" b="0" i="0" u="none" strike="noStrike" cap="none" normalizeH="0" baseline="0" dirty="0">
+                <a:ln>
+                  <a:noFill/>
+                </a:ln>
+                <a:solidFill>
+                  <a:srgbClr val="202124"/>
+                </a:solidFill>
+                <a:effectLst/>
+                <a:latin typeface="Times New Roman" panose="02020603050405020304" pitchFamily="18" charset="0"/>
+                <a:ea typeface="inherit"/>
+                <a:cs typeface="Times New Roman" panose="02020603050405020304" pitchFamily="18" charset="0"/>
+              </a:rPr>
+              <a:t>text sequence</a:t>
+            </a:r>
+            <a:r>
+              <a:rPr kumimoji="0" lang="en-US" altLang="zh-TW" sz="4000" b="0" i="0" u="none" strike="noStrike" cap="none" normalizeH="0" baseline="0" dirty="0">
+                <a:ln>
+                  <a:noFill/>
+                </a:ln>
+                <a:solidFill>
+                  <a:srgbClr val="202124"/>
+                </a:solidFill>
+                <a:effectLst/>
+                <a:latin typeface="Times New Roman" panose="02020603050405020304" pitchFamily="18" charset="0"/>
+                <a:ea typeface="inherit"/>
+                <a:cs typeface="Times New Roman" panose="02020603050405020304" pitchFamily="18" charset="0"/>
+              </a:rPr>
+              <a:t>s, </a:t>
+            </a:r>
+            <a:r>
+              <a:rPr kumimoji="0" lang="zh-TW" altLang="zh-TW" sz="4000" b="0" i="0" u="none" strike="noStrike" cap="none" normalizeH="0" baseline="0" dirty="0">
+                <a:ln>
+                  <a:noFill/>
+                </a:ln>
+                <a:solidFill>
+                  <a:srgbClr val="202124"/>
+                </a:solidFill>
+                <a:effectLst/>
+                <a:latin typeface="Times New Roman" panose="02020603050405020304" pitchFamily="18" charset="0"/>
+                <a:ea typeface="inherit"/>
+                <a:cs typeface="Times New Roman" panose="02020603050405020304" pitchFamily="18" charset="0"/>
+              </a:rPr>
+              <a:t>and </a:t>
+            </a:r>
+            <a:r>
+              <a:rPr lang="en-US" altLang="zh-TW" sz="4000" dirty="0">
+                <a:solidFill>
+                  <a:srgbClr val="202124"/>
+                </a:solidFill>
+                <a:latin typeface="Times New Roman" panose="02020603050405020304" pitchFamily="18" charset="0"/>
+                <a:ea typeface="inherit"/>
+                <a:cs typeface="Times New Roman" panose="02020603050405020304" pitchFamily="18" charset="0"/>
+              </a:rPr>
+              <a:t>keep </a:t>
+            </a:r>
+            <a:r>
+              <a:rPr kumimoji="0" lang="zh-TW" altLang="zh-TW" sz="4000" b="0" i="0" u="none" strike="noStrike" cap="none" normalizeH="0" baseline="0" dirty="0">
+                <a:ln>
+                  <a:noFill/>
+                </a:ln>
+                <a:solidFill>
+                  <a:srgbClr val="202124"/>
+                </a:solidFill>
+                <a:effectLst/>
+                <a:latin typeface="Times New Roman" panose="02020603050405020304" pitchFamily="18" charset="0"/>
+                <a:ea typeface="inherit"/>
+                <a:cs typeface="Times New Roman" panose="02020603050405020304" pitchFamily="18" charset="0"/>
+              </a:rPr>
+              <a:t>the original long-term dependenc</a:t>
+            </a:r>
+            <a:r>
+              <a:rPr kumimoji="0" lang="en-US" altLang="zh-TW" sz="4000" b="0" i="0" u="none" strike="noStrike" cap="none" normalizeH="0" baseline="0" dirty="0">
+                <a:ln>
+                  <a:noFill/>
+                </a:ln>
+                <a:solidFill>
+                  <a:srgbClr val="202124"/>
+                </a:solidFill>
+                <a:effectLst/>
+                <a:latin typeface="Times New Roman" panose="02020603050405020304" pitchFamily="18" charset="0"/>
+                <a:ea typeface="inherit"/>
+                <a:cs typeface="Times New Roman" panose="02020603050405020304" pitchFamily="18" charset="0"/>
+              </a:rPr>
+              <a:t>y</a:t>
+            </a:r>
+            <a:r>
+              <a:rPr kumimoji="0" lang="zh-TW" altLang="zh-TW" sz="4000" b="0" i="0" u="none" strike="noStrike" cap="none" normalizeH="0" baseline="0" dirty="0">
+                <a:ln>
+                  <a:noFill/>
+                </a:ln>
+                <a:solidFill>
+                  <a:srgbClr val="202124"/>
+                </a:solidFill>
+                <a:effectLst/>
+                <a:latin typeface="Times New Roman" panose="02020603050405020304" pitchFamily="18" charset="0"/>
+                <a:ea typeface="inherit"/>
+                <a:cs typeface="Times New Roman" panose="02020603050405020304" pitchFamily="18" charset="0"/>
+              </a:rPr>
+              <a:t> of Transformer.</a:t>
+            </a:r>
+            <a:r>
+              <a:rPr kumimoji="0" lang="en-US" altLang="zh-TW" sz="4000" b="0" i="0" u="none" strike="noStrike" cap="none" normalizeH="0" baseline="0" dirty="0">
+                <a:ln>
+                  <a:noFill/>
+                </a:ln>
+                <a:solidFill>
+                  <a:srgbClr val="202124"/>
+                </a:solidFill>
+                <a:effectLst/>
+                <a:latin typeface="Times New Roman" panose="02020603050405020304" pitchFamily="18" charset="0"/>
+                <a:ea typeface="inherit"/>
+                <a:cs typeface="Times New Roman" panose="02020603050405020304" pitchFamily="18" charset="0"/>
+              </a:rPr>
+              <a:t> </a:t>
+            </a:r>
+            <a:r>
+              <a:rPr kumimoji="0" lang="zh-TW" altLang="zh-TW" sz="4000" b="0" i="0" u="none" strike="noStrike" cap="none" normalizeH="0" baseline="0" dirty="0">
+                <a:ln>
+                  <a:noFill/>
+                </a:ln>
+                <a:solidFill>
+                  <a:srgbClr val="202124"/>
+                </a:solidFill>
+                <a:effectLst/>
+                <a:latin typeface="Times New Roman" panose="02020603050405020304" pitchFamily="18" charset="0"/>
+                <a:ea typeface="inherit"/>
+                <a:cs typeface="Times New Roman" panose="02020603050405020304" pitchFamily="18" charset="0"/>
+              </a:rPr>
+              <a:t>In the calculation process, it can also reduce the </a:t>
+            </a:r>
+            <a:r>
+              <a:rPr lang="en-US" altLang="zh-TW" sz="4000" dirty="0">
+                <a:solidFill>
+                  <a:srgbClr val="202124"/>
+                </a:solidFill>
+                <a:latin typeface="Times New Roman" panose="02020603050405020304" pitchFamily="18" charset="0"/>
+                <a:ea typeface="inherit"/>
+                <a:cs typeface="Times New Roman" panose="02020603050405020304" pitchFamily="18" charset="0"/>
+              </a:rPr>
+              <a:t>a</a:t>
+            </a:r>
+            <a:r>
+              <a:rPr kumimoji="0" lang="zh-TW" altLang="zh-TW" sz="4000" b="0" i="0" u="none" strike="noStrike" cap="none" normalizeH="0" baseline="0" dirty="0">
+                <a:ln>
+                  <a:noFill/>
+                </a:ln>
+                <a:solidFill>
+                  <a:srgbClr val="202124"/>
+                </a:solidFill>
+                <a:effectLst/>
+                <a:latin typeface="Times New Roman" panose="02020603050405020304" pitchFamily="18" charset="0"/>
+                <a:ea typeface="inherit"/>
+                <a:cs typeface="Times New Roman" panose="02020603050405020304" pitchFamily="18" charset="0"/>
+              </a:rPr>
+              <a:t>mount</a:t>
+            </a:r>
+            <a:r>
+              <a:rPr lang="en-US" altLang="zh-TW" sz="4000" dirty="0">
+                <a:solidFill>
+                  <a:srgbClr val="202124"/>
+                </a:solidFill>
+                <a:latin typeface="Times New Roman" panose="02020603050405020304" pitchFamily="18" charset="0"/>
+                <a:ea typeface="inherit"/>
+                <a:cs typeface="Times New Roman" panose="02020603050405020304" pitchFamily="18" charset="0"/>
+              </a:rPr>
+              <a:t> </a:t>
+            </a:r>
+            <a:r>
+              <a:rPr kumimoji="0" lang="zh-TW" altLang="zh-TW" sz="4000" b="0" i="0" u="none" strike="noStrike" cap="none" normalizeH="0" baseline="0" dirty="0">
+                <a:ln>
+                  <a:noFill/>
+                </a:ln>
+                <a:solidFill>
+                  <a:srgbClr val="202124"/>
+                </a:solidFill>
+                <a:effectLst/>
+                <a:latin typeface="Times New Roman" panose="02020603050405020304" pitchFamily="18" charset="0"/>
+                <a:ea typeface="inherit"/>
+                <a:cs typeface="Times New Roman" panose="02020603050405020304" pitchFamily="18" charset="0"/>
+              </a:rPr>
+              <a:t>of calculation,</a:t>
+            </a:r>
+            <a:r>
+              <a:rPr kumimoji="0" lang="en-US" altLang="zh-TW" sz="4000" b="0" i="0" u="none" strike="noStrike" cap="none" normalizeH="0" baseline="0" dirty="0">
+                <a:ln>
+                  <a:noFill/>
+                </a:ln>
+                <a:solidFill>
+                  <a:srgbClr val="202124"/>
+                </a:solidFill>
+                <a:effectLst/>
+                <a:latin typeface="Times New Roman" panose="02020603050405020304" pitchFamily="18" charset="0"/>
+                <a:ea typeface="inherit"/>
+                <a:cs typeface="Times New Roman" panose="02020603050405020304" pitchFamily="18" charset="0"/>
+              </a:rPr>
+              <a:t> thereby</a:t>
+            </a:r>
+            <a:r>
+              <a:rPr kumimoji="0" lang="zh-TW" altLang="zh-TW" sz="4000" b="0" i="0" u="none" strike="noStrike" cap="none" normalizeH="0" baseline="0" dirty="0">
+                <a:ln>
+                  <a:noFill/>
+                </a:ln>
+                <a:solidFill>
+                  <a:srgbClr val="202124"/>
+                </a:solidFill>
+                <a:effectLst/>
+                <a:latin typeface="Times New Roman" panose="02020603050405020304" pitchFamily="18" charset="0"/>
+                <a:ea typeface="inherit"/>
+                <a:cs typeface="Times New Roman" panose="02020603050405020304" pitchFamily="18" charset="0"/>
+              </a:rPr>
+              <a:t> improving the accuracy and performance</a:t>
+            </a:r>
+            <a:r>
+              <a:rPr kumimoji="0" lang="en-US" altLang="zh-TW" sz="4000" b="0" i="0" u="none" strike="noStrike" cap="none" normalizeH="0" baseline="0" dirty="0">
+                <a:ln>
+                  <a:noFill/>
+                </a:ln>
+                <a:solidFill>
+                  <a:srgbClr val="202124"/>
+                </a:solidFill>
+                <a:effectLst/>
+                <a:latin typeface="Times New Roman" panose="02020603050405020304" pitchFamily="18" charset="0"/>
+                <a:ea typeface="inherit"/>
+                <a:cs typeface="Times New Roman" panose="02020603050405020304" pitchFamily="18" charset="0"/>
+              </a:rPr>
+              <a:t> on </a:t>
+            </a:r>
+            <a:r>
+              <a:rPr lang="zh-TW" altLang="zh-TW" sz="4000" dirty="0">
+                <a:solidFill>
+                  <a:srgbClr val="202124"/>
+                </a:solidFill>
+                <a:latin typeface="Times New Roman" panose="02020603050405020304" pitchFamily="18" charset="0"/>
+                <a:ea typeface="inherit"/>
+                <a:cs typeface="Times New Roman" panose="02020603050405020304" pitchFamily="18" charset="0"/>
+              </a:rPr>
+              <a:t>text classification.</a:t>
+            </a:r>
+            <a:r>
+              <a:rPr kumimoji="0" lang="zh-TW" altLang="zh-TW" sz="4000" b="0" i="0" u="none" strike="noStrike" cap="none" normalizeH="0" baseline="0" dirty="0">
+                <a:ln>
+                  <a:noFill/>
+                </a:ln>
+                <a:solidFill>
+                  <a:schemeClr val="tx1"/>
+                </a:solidFill>
+                <a:effectLst/>
+                <a:latin typeface="Times New Roman" panose="02020603050405020304" pitchFamily="18" charset="0"/>
+                <a:cs typeface="Times New Roman" panose="02020603050405020304" pitchFamily="18" charset="0"/>
+              </a:rPr>
+              <a:t> </a:t>
+            </a:r>
+            <a:endParaRPr kumimoji="0" lang="en-US" altLang="zh-TW" sz="4000" b="0" i="0" u="none" strike="noStrike" cap="none" normalizeH="0" baseline="0" dirty="0">
+              <a:ln>
+                <a:noFill/>
+              </a:ln>
+              <a:solidFill>
+                <a:schemeClr val="tx1"/>
+              </a:solidFill>
+              <a:effectLst/>
+              <a:latin typeface="Times New Roman" panose="02020603050405020304" pitchFamily="18" charset="0"/>
               <a:cs typeface="Times New Roman" panose="02020603050405020304" pitchFamily="18" charset="0"/>
             </a:endParaRPr>
           </a:p>
@@ -3361,346 +3859,6 @@
               <a:buNone/>
               <a:tabLst/>
             </a:pPr>
-            <a:r>
-              <a:rPr kumimoji="0" lang="zh-TW" altLang="zh-TW" sz="4000" b="0" i="0" u="none" strike="noStrike" cap="none" normalizeH="0" baseline="0" dirty="0">
-                <a:ln>
-                  <a:noFill/>
-                </a:ln>
-                <a:solidFill>
-                  <a:srgbClr val="202124"/>
-                </a:solidFill>
-                <a:effectLst/>
-                <a:latin typeface="Times New Roman" panose="02020603050405020304" pitchFamily="18" charset="0"/>
-                <a:ea typeface="inherit"/>
-                <a:cs typeface="Times New Roman" panose="02020603050405020304" pitchFamily="18" charset="0"/>
-              </a:rPr>
-              <a:t>Layer and RoBERTa can meet </a:t>
-            </a:r>
-            <a:r>
-              <a:rPr kumimoji="0" lang="en-US" altLang="zh-TW" sz="4000" b="0" i="0" u="none" strike="noStrike" cap="none" normalizeH="0" baseline="0" dirty="0">
-                <a:ln>
-                  <a:noFill/>
-                </a:ln>
-                <a:solidFill>
-                  <a:srgbClr val="202124"/>
-                </a:solidFill>
-                <a:effectLst/>
-                <a:latin typeface="Times New Roman" panose="02020603050405020304" pitchFamily="18" charset="0"/>
-                <a:ea typeface="inherit"/>
-                <a:cs typeface="Times New Roman" panose="02020603050405020304" pitchFamily="18" charset="0"/>
-              </a:rPr>
-              <a:t>both </a:t>
-            </a:r>
-            <a:r>
-              <a:rPr kumimoji="0" lang="zh-TW" altLang="zh-TW" sz="4000" b="0" i="0" u="none" strike="noStrike" cap="none" normalizeH="0" baseline="0" dirty="0">
-                <a:ln>
-                  <a:noFill/>
-                </a:ln>
-                <a:solidFill>
-                  <a:srgbClr val="202124"/>
-                </a:solidFill>
-                <a:effectLst/>
-                <a:latin typeface="Times New Roman" panose="02020603050405020304" pitchFamily="18" charset="0"/>
-                <a:ea typeface="inherit"/>
-                <a:cs typeface="Times New Roman" panose="02020603050405020304" pitchFamily="18" charset="0"/>
-              </a:rPr>
-              <a:t>long and short</a:t>
-            </a:r>
-            <a:r>
-              <a:rPr kumimoji="0" lang="en-US" altLang="zh-TW" sz="4000" b="0" i="0" u="none" strike="noStrike" cap="none" normalizeH="0" baseline="0" dirty="0">
-                <a:ln>
-                  <a:noFill/>
-                </a:ln>
-                <a:solidFill>
-                  <a:srgbClr val="202124"/>
-                </a:solidFill>
-                <a:effectLst/>
-                <a:latin typeface="Times New Roman" panose="02020603050405020304" pitchFamily="18" charset="0"/>
-                <a:ea typeface="inherit"/>
-                <a:cs typeface="Times New Roman" panose="02020603050405020304" pitchFamily="18" charset="0"/>
-              </a:rPr>
-              <a:t/>
-            </a:r>
-            <a:br>
-              <a:rPr kumimoji="0" lang="en-US" altLang="zh-TW" sz="4000" b="0" i="0" u="none" strike="noStrike" cap="none" normalizeH="0" baseline="0" dirty="0">
-                <a:ln>
-                  <a:noFill/>
-                </a:ln>
-                <a:solidFill>
-                  <a:srgbClr val="202124"/>
-                </a:solidFill>
-                <a:effectLst/>
-                <a:latin typeface="Times New Roman" panose="02020603050405020304" pitchFamily="18" charset="0"/>
-                <a:ea typeface="inherit"/>
-                <a:cs typeface="Times New Roman" panose="02020603050405020304" pitchFamily="18" charset="0"/>
-              </a:rPr>
-            </a:br>
-            <a:r>
-              <a:rPr kumimoji="0" lang="zh-TW" altLang="zh-TW" sz="4000" b="0" i="0" u="none" strike="noStrike" cap="none" normalizeH="0" baseline="0" dirty="0">
-                <a:ln>
-                  <a:noFill/>
-                </a:ln>
-                <a:solidFill>
-                  <a:srgbClr val="202124"/>
-                </a:solidFill>
-                <a:effectLst/>
-                <a:latin typeface="Times New Roman" panose="02020603050405020304" pitchFamily="18" charset="0"/>
-                <a:ea typeface="inherit"/>
-                <a:cs typeface="Times New Roman" panose="02020603050405020304" pitchFamily="18" charset="0"/>
-              </a:rPr>
-              <a:t> text sequence </a:t>
-            </a:r>
-            <a:r>
-              <a:rPr lang="en-US" altLang="zh-TW" sz="4000" dirty="0" err="1">
-                <a:solidFill>
-                  <a:srgbClr val="202124"/>
-                </a:solidFill>
-                <a:latin typeface="Times New Roman" panose="02020603050405020304" pitchFamily="18" charset="0"/>
-                <a:ea typeface="inherit"/>
-                <a:cs typeface="Times New Roman" panose="02020603050405020304" pitchFamily="18" charset="0"/>
-              </a:rPr>
-              <a:t>i</a:t>
-            </a:r>
-            <a:r>
-              <a:rPr kumimoji="0" lang="zh-TW" altLang="zh-TW" sz="4000" b="0" i="0" u="none" strike="noStrike" cap="none" normalizeH="0" baseline="0" dirty="0">
-                <a:ln>
-                  <a:noFill/>
-                </a:ln>
-                <a:solidFill>
-                  <a:srgbClr val="202124"/>
-                </a:solidFill>
-                <a:effectLst/>
-                <a:latin typeface="Times New Roman" panose="02020603050405020304" pitchFamily="18" charset="0"/>
-                <a:ea typeface="inherit"/>
-                <a:cs typeface="Times New Roman" panose="02020603050405020304" pitchFamily="18" charset="0"/>
-              </a:rPr>
-              <a:t>nput</a:t>
-            </a:r>
-            <a:r>
-              <a:rPr kumimoji="0" lang="en-US" altLang="zh-TW" sz="4000" b="0" i="0" u="none" strike="noStrike" cap="none" normalizeH="0" baseline="0" dirty="0">
-                <a:ln>
-                  <a:noFill/>
-                </a:ln>
-                <a:solidFill>
-                  <a:srgbClr val="202124"/>
-                </a:solidFill>
-                <a:effectLst/>
-                <a:latin typeface="Times New Roman" panose="02020603050405020304" pitchFamily="18" charset="0"/>
-                <a:ea typeface="inherit"/>
-                <a:cs typeface="Times New Roman" panose="02020603050405020304" pitchFamily="18" charset="0"/>
-              </a:rPr>
-              <a:t>, </a:t>
-            </a:r>
-            <a:r>
-              <a:rPr kumimoji="0" lang="zh-TW" altLang="zh-TW" sz="4000" b="0" i="0" u="none" strike="noStrike" cap="none" normalizeH="0" baseline="0" dirty="0">
-                <a:ln>
-                  <a:noFill/>
-                </a:ln>
-                <a:solidFill>
-                  <a:srgbClr val="202124"/>
-                </a:solidFill>
-                <a:effectLst/>
-                <a:latin typeface="Times New Roman" panose="02020603050405020304" pitchFamily="18" charset="0"/>
-                <a:ea typeface="inherit"/>
-                <a:cs typeface="Times New Roman" panose="02020603050405020304" pitchFamily="18" charset="0"/>
-              </a:rPr>
-              <a:t>and </a:t>
-            </a:r>
-            <a:r>
-              <a:rPr lang="en-US" altLang="zh-TW" sz="4000" dirty="0">
-                <a:solidFill>
-                  <a:srgbClr val="202124"/>
-                </a:solidFill>
-                <a:latin typeface="Times New Roman" panose="02020603050405020304" pitchFamily="18" charset="0"/>
-                <a:ea typeface="inherit"/>
-                <a:cs typeface="Times New Roman" panose="02020603050405020304" pitchFamily="18" charset="0"/>
-              </a:rPr>
-              <a:t>keep </a:t>
-            </a:r>
-            <a:r>
-              <a:rPr kumimoji="0" lang="zh-TW" altLang="zh-TW" sz="4000" b="0" i="0" u="none" strike="noStrike" cap="none" normalizeH="0" baseline="0" dirty="0">
-                <a:ln>
-                  <a:noFill/>
-                </a:ln>
-                <a:solidFill>
-                  <a:srgbClr val="202124"/>
-                </a:solidFill>
-                <a:effectLst/>
-                <a:latin typeface="Times New Roman" panose="02020603050405020304" pitchFamily="18" charset="0"/>
-                <a:ea typeface="inherit"/>
-                <a:cs typeface="Times New Roman" panose="02020603050405020304" pitchFamily="18" charset="0"/>
-              </a:rPr>
-              <a:t>the original long-term</a:t>
-            </a:r>
-            <a:r>
-              <a:rPr kumimoji="0" lang="en-US" altLang="zh-TW" sz="4000" b="0" i="0" u="none" strike="noStrike" cap="none" normalizeH="0" baseline="0" dirty="0">
-                <a:ln>
-                  <a:noFill/>
-                </a:ln>
-                <a:solidFill>
-                  <a:srgbClr val="202124"/>
-                </a:solidFill>
-                <a:effectLst/>
-                <a:latin typeface="Times New Roman" panose="02020603050405020304" pitchFamily="18" charset="0"/>
-                <a:ea typeface="inherit"/>
-                <a:cs typeface="Times New Roman" panose="02020603050405020304" pitchFamily="18" charset="0"/>
-              </a:rPr>
-              <a:t/>
-            </a:r>
-            <a:br>
-              <a:rPr kumimoji="0" lang="en-US" altLang="zh-TW" sz="4000" b="0" i="0" u="none" strike="noStrike" cap="none" normalizeH="0" baseline="0" dirty="0">
-                <a:ln>
-                  <a:noFill/>
-                </a:ln>
-                <a:solidFill>
-                  <a:srgbClr val="202124"/>
-                </a:solidFill>
-                <a:effectLst/>
-                <a:latin typeface="Times New Roman" panose="02020603050405020304" pitchFamily="18" charset="0"/>
-                <a:ea typeface="inherit"/>
-                <a:cs typeface="Times New Roman" panose="02020603050405020304" pitchFamily="18" charset="0"/>
-              </a:rPr>
-            </a:br>
-            <a:r>
-              <a:rPr kumimoji="0" lang="zh-TW" altLang="zh-TW" sz="4000" b="0" i="0" u="none" strike="noStrike" cap="none" normalizeH="0" baseline="0" dirty="0">
-                <a:ln>
-                  <a:noFill/>
-                </a:ln>
-                <a:solidFill>
-                  <a:srgbClr val="202124"/>
-                </a:solidFill>
-                <a:effectLst/>
-                <a:latin typeface="Times New Roman" panose="02020603050405020304" pitchFamily="18" charset="0"/>
-                <a:ea typeface="inherit"/>
-                <a:cs typeface="Times New Roman" panose="02020603050405020304" pitchFamily="18" charset="0"/>
-              </a:rPr>
-              <a:t> dependenc</a:t>
-            </a:r>
-            <a:r>
-              <a:rPr kumimoji="0" lang="en-US" altLang="zh-TW" sz="4000" b="0" i="0" u="none" strike="noStrike" cap="none" normalizeH="0" baseline="0" dirty="0">
-                <a:ln>
-                  <a:noFill/>
-                </a:ln>
-                <a:solidFill>
-                  <a:srgbClr val="202124"/>
-                </a:solidFill>
-                <a:effectLst/>
-                <a:latin typeface="Times New Roman" panose="02020603050405020304" pitchFamily="18" charset="0"/>
-                <a:ea typeface="inherit"/>
-                <a:cs typeface="Times New Roman" panose="02020603050405020304" pitchFamily="18" charset="0"/>
-              </a:rPr>
-              <a:t>y</a:t>
-            </a:r>
-            <a:r>
-              <a:rPr kumimoji="0" lang="zh-TW" altLang="zh-TW" sz="4000" b="0" i="0" u="none" strike="noStrike" cap="none" normalizeH="0" baseline="0" dirty="0">
-                <a:ln>
-                  <a:noFill/>
-                </a:ln>
-                <a:solidFill>
-                  <a:srgbClr val="202124"/>
-                </a:solidFill>
-                <a:effectLst/>
-                <a:latin typeface="Times New Roman" panose="02020603050405020304" pitchFamily="18" charset="0"/>
-                <a:ea typeface="inherit"/>
-                <a:cs typeface="Times New Roman" panose="02020603050405020304" pitchFamily="18" charset="0"/>
-              </a:rPr>
-              <a:t> of Transformer.In the calculation process, it can also reduce the </a:t>
-            </a:r>
-            <a:r>
-              <a:rPr lang="en-US" altLang="zh-TW" sz="4000" dirty="0">
-                <a:solidFill>
-                  <a:srgbClr val="202124"/>
-                </a:solidFill>
-                <a:latin typeface="Times New Roman" panose="02020603050405020304" pitchFamily="18" charset="0"/>
-                <a:ea typeface="inherit"/>
-                <a:cs typeface="Times New Roman" panose="02020603050405020304" pitchFamily="18" charset="0"/>
-              </a:rPr>
-              <a:t>a</a:t>
-            </a:r>
-            <a:r>
-              <a:rPr kumimoji="0" lang="zh-TW" altLang="zh-TW" sz="4000" b="0" i="0" u="none" strike="noStrike" cap="none" normalizeH="0" baseline="0" dirty="0">
-                <a:ln>
-                  <a:noFill/>
-                </a:ln>
-                <a:solidFill>
-                  <a:srgbClr val="202124"/>
-                </a:solidFill>
-                <a:effectLst/>
-                <a:latin typeface="Times New Roman" panose="02020603050405020304" pitchFamily="18" charset="0"/>
-                <a:ea typeface="inherit"/>
-                <a:cs typeface="Times New Roman" panose="02020603050405020304" pitchFamily="18" charset="0"/>
-              </a:rPr>
-              <a:t>mount</a:t>
-            </a:r>
-            <a:r>
-              <a:rPr lang="en-US" altLang="zh-TW" sz="4000" dirty="0">
-                <a:solidFill>
-                  <a:srgbClr val="202124"/>
-                </a:solidFill>
-                <a:latin typeface="Times New Roman" panose="02020603050405020304" pitchFamily="18" charset="0"/>
-                <a:ea typeface="inherit"/>
-                <a:cs typeface="Times New Roman" panose="02020603050405020304" pitchFamily="18" charset="0"/>
-              </a:rPr>
-              <a:t> </a:t>
-            </a:r>
-            <a:r>
-              <a:rPr kumimoji="0" lang="zh-TW" altLang="zh-TW" sz="4000" b="0" i="0" u="none" strike="noStrike" cap="none" normalizeH="0" baseline="0" dirty="0">
-                <a:ln>
-                  <a:noFill/>
-                </a:ln>
-                <a:solidFill>
-                  <a:srgbClr val="202124"/>
-                </a:solidFill>
-                <a:effectLst/>
-                <a:latin typeface="Times New Roman" panose="02020603050405020304" pitchFamily="18" charset="0"/>
-                <a:ea typeface="inherit"/>
-                <a:cs typeface="Times New Roman" panose="02020603050405020304" pitchFamily="18" charset="0"/>
-              </a:rPr>
-              <a:t>of calculation, improving the accuracy and text classification performance.</a:t>
-            </a:r>
-            <a:r>
-              <a:rPr kumimoji="0" lang="zh-TW" altLang="zh-TW" sz="4000" b="0" i="0" u="none" strike="noStrike" cap="none" normalizeH="0" baseline="0" dirty="0">
-                <a:ln>
-                  <a:noFill/>
-                </a:ln>
-                <a:solidFill>
-                  <a:schemeClr val="tx1"/>
-                </a:solidFill>
-                <a:effectLst/>
-                <a:latin typeface="Times New Roman" panose="02020603050405020304" pitchFamily="18" charset="0"/>
-                <a:cs typeface="Times New Roman" panose="02020603050405020304" pitchFamily="18" charset="0"/>
-              </a:rPr>
-              <a:t> </a:t>
-            </a:r>
-            <a:endParaRPr kumimoji="0" lang="en-US" altLang="zh-TW" sz="4000" b="0" i="0" u="none" strike="noStrike" cap="none" normalizeH="0" baseline="0" dirty="0">
-              <a:ln>
-                <a:noFill/>
-              </a:ln>
-              <a:solidFill>
-                <a:schemeClr val="tx1"/>
-              </a:solidFill>
-              <a:effectLst/>
-              <a:latin typeface="Times New Roman" panose="02020603050405020304" pitchFamily="18" charset="0"/>
-              <a:cs typeface="Times New Roman" panose="02020603050405020304" pitchFamily="18" charset="0"/>
-            </a:endParaRPr>
-          </a:p>
-          <a:p>
-            <a:pPr marL="0" marR="0" lvl="0" indent="0" algn="l" defTabSz="914400" rtl="0" eaLnBrk="0" fontAlgn="base" latinLnBrk="0" hangingPunct="0">
-              <a:lnSpc>
-                <a:spcPct val="100000"/>
-              </a:lnSpc>
-              <a:spcBef>
-                <a:spcPct val="0"/>
-              </a:spcBef>
-              <a:spcAft>
-                <a:spcPct val="0"/>
-              </a:spcAft>
-              <a:buClrTx/>
-              <a:buSzTx/>
-              <a:buFontTx/>
-              <a:buNone/>
-              <a:tabLst/>
-            </a:pPr>
             <a:endParaRPr kumimoji="0" lang="zh-TW" altLang="zh-TW" sz="4000" b="0" i="0" u="none" strike="noStrike" cap="none" normalizeH="0" baseline="0" dirty="0">
               <a:ln>
                 <a:noFill/>
@@ -3720,7 +3878,7 @@
           <p:cNvPr id="2" name="標題 1">
             <a:extLst>
               <a:ext uri="{FF2B5EF4-FFF2-40B4-BE49-F238E27FC236}">
-                <a16:creationId xmlns:a16="http://schemas.microsoft.com/office/drawing/2014/main" xmlns="" id="{23B07A61-5178-4118-913B-E5E150B875BF}"/>
+                <a16:creationId xmlns:a16="http://schemas.microsoft.com/office/drawing/2014/main" id="{23B07A61-5178-4118-913B-E5E150B875BF}"/>
               </a:ext>
             </a:extLst>
           </p:cNvPr>
@@ -3733,7 +3891,7 @@
         </p:nvSpPr>
         <p:spPr>
           <a:xfrm>
-            <a:off x="751382" y="1133170"/>
+            <a:off x="751382" y="672511"/>
             <a:ext cx="19690636" cy="1120015"/>
           </a:xfrm>
         </p:spPr>
@@ -3744,20 +3902,12 @@
           <a:lstStyle/>
           <a:p>
             <a:r>
-              <a:rPr lang="en-US" altLang="zh-TW" sz="6000" b="1" dirty="0" smtClean="0">
+              <a:rPr lang="en-US" altLang="zh-TW" sz="6000" b="1" dirty="0">
                 <a:latin typeface="Times New Roman" panose="02020603050405020304" pitchFamily="18" charset="0"/>
                 <a:ea typeface="標楷體" panose="03000509000000000000" pitchFamily="65" charset="-120"/>
                 <a:cs typeface="Times New Roman" panose="02020603050405020304" pitchFamily="18" charset="0"/>
               </a:rPr>
-              <a:t>Enhancing </a:t>
-            </a:r>
-            <a:r>
-              <a:rPr lang="en-US" altLang="zh-TW" sz="6000" b="1" dirty="0">
-                <a:latin typeface="Times New Roman" panose="02020603050405020304" pitchFamily="18" charset="0"/>
-                <a:ea typeface="標楷體" panose="03000509000000000000" pitchFamily="65" charset="-120"/>
-                <a:cs typeface="Times New Roman" panose="02020603050405020304" pitchFamily="18" charset="0"/>
-              </a:rPr>
-              <a:t>the Dependency Mechanism of RoBERTa</a:t>
+              <a:t>Enhancing the Dependency Mechanism of RoBERTa</a:t>
             </a:r>
             <a:endParaRPr lang="zh-TW" altLang="en-US" sz="6000" b="1" dirty="0">
               <a:latin typeface="Times New Roman" panose="02020603050405020304" pitchFamily="18" charset="0"/>
@@ -3772,7 +3922,7 @@
           <p:cNvPr id="3" name="副標題 2">
             <a:extLst>
               <a:ext uri="{FF2B5EF4-FFF2-40B4-BE49-F238E27FC236}">
-                <a16:creationId xmlns:a16="http://schemas.microsoft.com/office/drawing/2014/main" xmlns="" id="{3AAD1F26-FBCD-4450-AED7-7AF154F796CD}"/>
+                <a16:creationId xmlns:a16="http://schemas.microsoft.com/office/drawing/2014/main" id="{3AAD1F26-FBCD-4450-AED7-7AF154F796CD}"/>
               </a:ext>
             </a:extLst>
           </p:cNvPr>
@@ -3825,7 +3975,7 @@
           <p:cNvPr id="5" name="文字方塊 4">
             <a:extLst>
               <a:ext uri="{FF2B5EF4-FFF2-40B4-BE49-F238E27FC236}">
-                <a16:creationId xmlns:a16="http://schemas.microsoft.com/office/drawing/2014/main" xmlns="" id="{9C504FCD-2433-4F99-8DAE-391C5233F63F}"/>
+                <a16:creationId xmlns:a16="http://schemas.microsoft.com/office/drawing/2014/main" id="{9C504FCD-2433-4F99-8DAE-391C5233F63F}"/>
               </a:ext>
             </a:extLst>
           </p:cNvPr>
@@ -3890,7 +4040,7 @@
           <p:cNvPr id="8" name="文字方塊 7">
             <a:extLst>
               <a:ext uri="{FF2B5EF4-FFF2-40B4-BE49-F238E27FC236}">
-                <a16:creationId xmlns:a16="http://schemas.microsoft.com/office/drawing/2014/main" xmlns="" id="{DF6B0653-4648-4B6A-9D33-378F3DB5A992}"/>
+                <a16:creationId xmlns:a16="http://schemas.microsoft.com/office/drawing/2014/main" id="{DF6B0653-4648-4B6A-9D33-378F3DB5A992}"/>
               </a:ext>
             </a:extLst>
           </p:cNvPr>
@@ -3934,7 +4084,7 @@
           <p:cNvPr id="6" name="矩形 5">
             <a:extLst>
               <a:ext uri="{FF2B5EF4-FFF2-40B4-BE49-F238E27FC236}">
-                <a16:creationId xmlns:a16="http://schemas.microsoft.com/office/drawing/2014/main" xmlns="" id="{03018E32-D1EA-4727-A7CA-FCBB547847E2}"/>
+                <a16:creationId xmlns:a16="http://schemas.microsoft.com/office/drawing/2014/main" id="{03018E32-D1EA-4727-A7CA-FCBB547847E2}"/>
               </a:ext>
             </a:extLst>
           </p:cNvPr>
@@ -4024,7 +4174,7 @@
           <p:cNvPr id="7" name="文字方塊 6">
             <a:extLst>
               <a:ext uri="{FF2B5EF4-FFF2-40B4-BE49-F238E27FC236}">
-                <a16:creationId xmlns:a16="http://schemas.microsoft.com/office/drawing/2014/main" xmlns="" id="{F364376C-FF1E-4A69-9463-3C5101CD0DA5}"/>
+                <a16:creationId xmlns:a16="http://schemas.microsoft.com/office/drawing/2014/main" id="{F364376C-FF1E-4A69-9463-3C5101CD0DA5}"/>
               </a:ext>
             </a:extLst>
           </p:cNvPr>
@@ -4068,7 +4218,7 @@
           <p:cNvPr id="16" name="文字方塊 15">
             <a:extLst>
               <a:ext uri="{FF2B5EF4-FFF2-40B4-BE49-F238E27FC236}">
-                <a16:creationId xmlns:a16="http://schemas.microsoft.com/office/drawing/2014/main" xmlns="" id="{2D400D44-FAE0-4F81-839D-58D0AE43DE16}"/>
+                <a16:creationId xmlns:a16="http://schemas.microsoft.com/office/drawing/2014/main" id="{2D400D44-FAE0-4F81-839D-58D0AE43DE16}"/>
               </a:ext>
             </a:extLst>
           </p:cNvPr>
@@ -4116,7 +4266,7 @@
           <p:cNvPr id="17" name="文字方塊 16">
             <a:extLst>
               <a:ext uri="{FF2B5EF4-FFF2-40B4-BE49-F238E27FC236}">
-                <a16:creationId xmlns:a16="http://schemas.microsoft.com/office/drawing/2014/main" xmlns="" id="{8EC96BC0-22C0-4AC9-B183-F24EDAA616BC}"/>
+                <a16:creationId xmlns:a16="http://schemas.microsoft.com/office/drawing/2014/main" id="{8EC96BC0-22C0-4AC9-B183-F24EDAA616BC}"/>
               </a:ext>
             </a:extLst>
           </p:cNvPr>
@@ -4191,7 +4341,7 @@
           <p:cNvPr id="19" name="文字方塊 18">
             <a:extLst>
               <a:ext uri="{FF2B5EF4-FFF2-40B4-BE49-F238E27FC236}">
-                <a16:creationId xmlns:a16="http://schemas.microsoft.com/office/drawing/2014/main" xmlns="" id="{04F1300C-3DB6-4815-8458-F49C54342FF9}"/>
+                <a16:creationId xmlns:a16="http://schemas.microsoft.com/office/drawing/2014/main" id="{04F1300C-3DB6-4815-8458-F49C54342FF9}"/>
               </a:ext>
             </a:extLst>
           </p:cNvPr>
@@ -4285,7 +4435,7 @@
           <p:cNvPr id="21" name="文字方塊 20">
             <a:extLst>
               <a:ext uri="{FF2B5EF4-FFF2-40B4-BE49-F238E27FC236}">
-                <a16:creationId xmlns:a16="http://schemas.microsoft.com/office/drawing/2014/main" xmlns="" id="{372E03BF-69C7-4102-9EA3-71AF2022DA14}"/>
+                <a16:creationId xmlns:a16="http://schemas.microsoft.com/office/drawing/2014/main" id="{372E03BF-69C7-4102-9EA3-71AF2022DA14}"/>
               </a:ext>
             </a:extLst>
           </p:cNvPr>
@@ -4294,8 +4444,8 @@
         </p:nvSpPr>
         <p:spPr>
           <a:xfrm>
-            <a:off x="12852970" y="9036824"/>
-            <a:ext cx="6575967" cy="784830"/>
+            <a:off x="14768854" y="9036824"/>
+            <a:ext cx="3305649" cy="784830"/>
           </a:xfrm>
           <a:prstGeom prst="rect">
             <a:avLst/>
@@ -4314,38 +4464,6 @@
                 <a:ea typeface="標楷體" panose="03000509000000000000" pitchFamily="65" charset="-120"/>
                 <a:cs typeface="Times New Roman" panose="02020603050405020304" pitchFamily="18" charset="0"/>
               </a:rPr>
-              <a:t>Flowchart</a:t>
-            </a:r>
-            <a:r>
-              <a:rPr lang="zh-TW" altLang="en-US" sz="4500" b="1" dirty="0">
-                <a:latin typeface="Times New Roman" panose="02020603050405020304" pitchFamily="18" charset="0"/>
-                <a:ea typeface="標楷體" panose="03000509000000000000" pitchFamily="65" charset="-120"/>
-                <a:cs typeface="Times New Roman" panose="02020603050405020304" pitchFamily="18" charset="0"/>
-              </a:rPr>
-              <a:t> </a:t>
-            </a:r>
-            <a:r>
-              <a:rPr lang="en-US" altLang="zh-TW" sz="4500" b="1" dirty="0">
-                <a:latin typeface="Times New Roman" panose="02020603050405020304" pitchFamily="18" charset="0"/>
-                <a:ea typeface="標楷體" panose="03000509000000000000" pitchFamily="65" charset="-120"/>
-                <a:cs typeface="Times New Roman" panose="02020603050405020304" pitchFamily="18" charset="0"/>
-              </a:rPr>
-              <a:t>&amp;</a:t>
-            </a:r>
-            <a:r>
-              <a:rPr lang="zh-TW" altLang="en-US" sz="4500" b="1" dirty="0">
-                <a:latin typeface="Times New Roman" panose="02020603050405020304" pitchFamily="18" charset="0"/>
-                <a:ea typeface="標楷體" panose="03000509000000000000" pitchFamily="65" charset="-120"/>
-                <a:cs typeface="Times New Roman" panose="02020603050405020304" pitchFamily="18" charset="0"/>
-              </a:rPr>
-              <a:t> </a:t>
-            </a:r>
-            <a:r>
-              <a:rPr lang="en-US" altLang="zh-TW" sz="4500" b="1" dirty="0">
-                <a:latin typeface="Times New Roman" panose="02020603050405020304" pitchFamily="18" charset="0"/>
-                <a:ea typeface="標楷體" panose="03000509000000000000" pitchFamily="65" charset="-120"/>
-                <a:cs typeface="Times New Roman" panose="02020603050405020304" pitchFamily="18" charset="0"/>
-              </a:rPr>
               <a:t>Architecture</a:t>
             </a:r>
             <a:endParaRPr lang="zh-TW" altLang="en-US" sz="4500" b="1" dirty="0">
@@ -4361,7 +4479,7 @@
           <p:cNvPr id="43" name="文字方塊 42">
             <a:extLst>
               <a:ext uri="{FF2B5EF4-FFF2-40B4-BE49-F238E27FC236}">
-                <a16:creationId xmlns:a16="http://schemas.microsoft.com/office/drawing/2014/main" xmlns="" id="{326CC09E-4B78-4839-BBEC-4DFEA202F268}"/>
+                <a16:creationId xmlns:a16="http://schemas.microsoft.com/office/drawing/2014/main" id="{326CC09E-4B78-4839-BBEC-4DFEA202F268}"/>
               </a:ext>
             </a:extLst>
           </p:cNvPr>
@@ -4370,7 +4488,7 @@
         </p:nvSpPr>
         <p:spPr>
           <a:xfrm>
-            <a:off x="14613107" y="19992844"/>
+            <a:off x="14656649" y="21168499"/>
             <a:ext cx="3166251" cy="784830"/>
           </a:xfrm>
           <a:prstGeom prst="rect">
@@ -4405,7 +4523,7 @@
           <p:cNvPr id="44" name="文字方塊 43">
             <a:extLst>
               <a:ext uri="{FF2B5EF4-FFF2-40B4-BE49-F238E27FC236}">
-                <a16:creationId xmlns:a16="http://schemas.microsoft.com/office/drawing/2014/main" xmlns="" id="{F2C68C88-43F4-4953-8E0A-B3F182A81B3C}"/>
+                <a16:creationId xmlns:a16="http://schemas.microsoft.com/office/drawing/2014/main" id="{F2C68C88-43F4-4953-8E0A-B3F182A81B3C}"/>
               </a:ext>
             </a:extLst>
           </p:cNvPr>
@@ -4414,8 +4532,8 @@
         </p:nvSpPr>
         <p:spPr>
           <a:xfrm>
-            <a:off x="11461534" y="20643490"/>
-            <a:ext cx="10297927" cy="8027088"/>
+            <a:off x="11461534" y="22145728"/>
+            <a:ext cx="10297927" cy="5632311"/>
           </a:xfrm>
           <a:prstGeom prst="rect">
             <a:avLst/>
@@ -4451,6 +4569,18 @@
               </a:tabLst>
             </a:pPr>
             <a:r>
+              <a:rPr lang="en-US" altLang="zh-TW" sz="4000" kern="0" dirty="0">
+                <a:solidFill>
+                  <a:srgbClr val="202124"/>
+                </a:solidFill>
+                <a:effectLst/>
+                <a:latin typeface="Times New Roman" panose="02020603050405020304" pitchFamily="18" charset="0"/>
+                <a:ea typeface="inherit"/>
+                <a:cs typeface="Times New Roman" panose="02020603050405020304" pitchFamily="18" charset="0"/>
+              </a:rPr>
+              <a:t>The r</a:t>
+            </a:r>
+            <a:r>
               <a:rPr lang="zh-TW" altLang="zh-TW" sz="4000" kern="0" dirty="0">
                 <a:solidFill>
                   <a:srgbClr val="202124"/>
@@ -4460,39 +4590,8 @@
                 <a:ea typeface="inherit"/>
                 <a:cs typeface="Times New Roman" panose="02020603050405020304" pitchFamily="18" charset="0"/>
               </a:rPr>
-              <a:t>Results shows that our EDM-RoBERTa model </a:t>
-            </a:r>
-            <a:endParaRPr lang="en-US" altLang="zh-TW" sz="4000" kern="0" dirty="0">
-              <a:solidFill>
-                <a:srgbClr val="202124"/>
-              </a:solidFill>
-              <a:effectLst/>
-              <a:latin typeface="Times New Roman" panose="02020603050405020304" pitchFamily="18" charset="0"/>
-              <a:ea typeface="inherit"/>
-              <a:cs typeface="Times New Roman" panose="02020603050405020304" pitchFamily="18" charset="0"/>
-            </a:endParaRPr>
-          </a:p>
-          <a:p>
-            <a:pPr>
-              <a:tabLst>
-                <a:tab pos="581660" algn="l"/>
-                <a:tab pos="1163320" algn="l"/>
-                <a:tab pos="1744980" algn="l"/>
-                <a:tab pos="2326640" algn="l"/>
-                <a:tab pos="2908300" algn="l"/>
-                <a:tab pos="3489960" algn="l"/>
-                <a:tab pos="4071620" algn="l"/>
-                <a:tab pos="4653280" algn="l"/>
-                <a:tab pos="5234940" algn="l"/>
-                <a:tab pos="5816600" algn="l"/>
-                <a:tab pos="6398260" algn="l"/>
-                <a:tab pos="6979920" algn="l"/>
-                <a:tab pos="7561580" algn="l"/>
-                <a:tab pos="8143240" algn="l"/>
-                <a:tab pos="8724900" algn="l"/>
-                <a:tab pos="9306560" algn="l"/>
-              </a:tabLst>
-            </a:pPr>
+              <a:t>esults shows that our EDM-RoBERTa model </a:t>
+            </a:r>
             <a:r>
               <a:rPr lang="en-US" altLang="zh-TW" sz="4000" kern="0" dirty="0">
                 <a:solidFill>
@@ -4540,37 +4639,6 @@
               </a:rPr>
               <a:t>more accurate prediction results than the </a:t>
             </a:r>
-            <a:endParaRPr lang="en-US" altLang="zh-TW" sz="4000" kern="0" dirty="0">
-              <a:solidFill>
-                <a:srgbClr val="202124"/>
-              </a:solidFill>
-              <a:effectLst/>
-              <a:latin typeface="Times New Roman" panose="02020603050405020304" pitchFamily="18" charset="0"/>
-              <a:ea typeface="inherit"/>
-              <a:cs typeface="Times New Roman" panose="02020603050405020304" pitchFamily="18" charset="0"/>
-            </a:endParaRPr>
-          </a:p>
-          <a:p>
-            <a:pPr>
-              <a:tabLst>
-                <a:tab pos="581660" algn="l"/>
-                <a:tab pos="1163320" algn="l"/>
-                <a:tab pos="1744980" algn="l"/>
-                <a:tab pos="2326640" algn="l"/>
-                <a:tab pos="2908300" algn="l"/>
-                <a:tab pos="3489960" algn="l"/>
-                <a:tab pos="4071620" algn="l"/>
-                <a:tab pos="4653280" algn="l"/>
-                <a:tab pos="5234940" algn="l"/>
-                <a:tab pos="5816600" algn="l"/>
-                <a:tab pos="6398260" algn="l"/>
-                <a:tab pos="6979920" algn="l"/>
-                <a:tab pos="7561580" algn="l"/>
-                <a:tab pos="8143240" algn="l"/>
-                <a:tab pos="8724900" algn="l"/>
-                <a:tab pos="9306560" algn="l"/>
-              </a:tabLst>
-            </a:pPr>
             <a:r>
               <a:rPr lang="en-US" altLang="zh-TW" sz="4000" kern="0" dirty="0">
                 <a:solidFill>
@@ -4592,39 +4660,20 @@
                 <a:ea typeface="inherit"/>
                 <a:cs typeface="Times New Roman" panose="02020603050405020304" pitchFamily="18" charset="0"/>
               </a:rPr>
-              <a:t>riginal Transformer model on word meaning </a:t>
-            </a:r>
-            <a:endParaRPr lang="en-US" altLang="zh-TW" sz="4000" kern="0" dirty="0">
-              <a:solidFill>
-                <a:srgbClr val="202124"/>
-              </a:solidFill>
-              <a:effectLst/>
-              <a:latin typeface="Times New Roman" panose="02020603050405020304" pitchFamily="18" charset="0"/>
-              <a:ea typeface="inherit"/>
-              <a:cs typeface="Times New Roman" panose="02020603050405020304" pitchFamily="18" charset="0"/>
-            </a:endParaRPr>
-          </a:p>
-          <a:p>
-            <a:pPr>
-              <a:tabLst>
-                <a:tab pos="581660" algn="l"/>
-                <a:tab pos="1163320" algn="l"/>
-                <a:tab pos="1744980" algn="l"/>
-                <a:tab pos="2326640" algn="l"/>
-                <a:tab pos="2908300" algn="l"/>
-                <a:tab pos="3489960" algn="l"/>
-                <a:tab pos="4071620" algn="l"/>
-                <a:tab pos="4653280" algn="l"/>
-                <a:tab pos="5234940" algn="l"/>
-                <a:tab pos="5816600" algn="l"/>
-                <a:tab pos="6398260" algn="l"/>
-                <a:tab pos="6979920" algn="l"/>
-                <a:tab pos="7561580" algn="l"/>
-                <a:tab pos="8143240" algn="l"/>
-                <a:tab pos="8724900" algn="l"/>
-                <a:tab pos="9306560" algn="l"/>
-              </a:tabLst>
-            </a:pPr>
+              <a:t>riginal Transformer model on word meaning analysis output, </a:t>
+            </a:r>
+            <a:r>
+              <a:rPr lang="en-US" altLang="zh-TW" sz="4000" kern="0" dirty="0">
+                <a:solidFill>
+                  <a:srgbClr val="202124"/>
+                </a:solidFill>
+                <a:effectLst/>
+                <a:latin typeface="Times New Roman" panose="02020603050405020304" pitchFamily="18" charset="0"/>
+                <a:ea typeface="inherit"/>
+                <a:cs typeface="Times New Roman" panose="02020603050405020304" pitchFamily="18" charset="0"/>
+              </a:rPr>
+              <a:t>and thereby </a:t>
+            </a:r>
             <a:r>
               <a:rPr lang="zh-TW" altLang="zh-TW" sz="4000" kern="0" dirty="0">
                 <a:solidFill>
@@ -4635,39 +4684,20 @@
                 <a:ea typeface="inherit"/>
                 <a:cs typeface="Times New Roman" panose="02020603050405020304" pitchFamily="18" charset="0"/>
               </a:rPr>
-              <a:t>analysis output, improving the disorderly lack in </a:t>
-            </a:r>
-            <a:endParaRPr lang="en-US" altLang="zh-TW" sz="4000" kern="0" dirty="0">
-              <a:solidFill>
-                <a:srgbClr val="202124"/>
-              </a:solidFill>
-              <a:effectLst/>
-              <a:latin typeface="Times New Roman" panose="02020603050405020304" pitchFamily="18" charset="0"/>
-              <a:ea typeface="inherit"/>
-              <a:cs typeface="Times New Roman" panose="02020603050405020304" pitchFamily="18" charset="0"/>
-            </a:endParaRPr>
-          </a:p>
-          <a:p>
-            <a:pPr>
-              <a:tabLst>
-                <a:tab pos="581660" algn="l"/>
-                <a:tab pos="1163320" algn="l"/>
-                <a:tab pos="1744980" algn="l"/>
-                <a:tab pos="2326640" algn="l"/>
-                <a:tab pos="2908300" algn="l"/>
-                <a:tab pos="3489960" algn="l"/>
-                <a:tab pos="4071620" algn="l"/>
-                <a:tab pos="4653280" algn="l"/>
-                <a:tab pos="5234940" algn="l"/>
-                <a:tab pos="5816600" algn="l"/>
-                <a:tab pos="6398260" algn="l"/>
-                <a:tab pos="6979920" algn="l"/>
-                <a:tab pos="7561580" algn="l"/>
-                <a:tab pos="8143240" algn="l"/>
-                <a:tab pos="8724900" algn="l"/>
-                <a:tab pos="9306560" algn="l"/>
-              </a:tabLst>
-            </a:pPr>
+              <a:t>improving the </a:t>
+            </a:r>
+            <a:r>
+              <a:rPr lang="en-US" altLang="zh-TW" sz="4000" kern="0" dirty="0">
+                <a:solidFill>
+                  <a:srgbClr val="202124"/>
+                </a:solidFill>
+                <a:effectLst/>
+                <a:latin typeface="Times New Roman" panose="02020603050405020304" pitchFamily="18" charset="0"/>
+                <a:ea typeface="inherit"/>
+                <a:cs typeface="Times New Roman" panose="02020603050405020304" pitchFamily="18" charset="0"/>
+              </a:rPr>
+              <a:t>short-dependency</a:t>
+            </a:r>
             <a:r>
               <a:rPr lang="zh-TW" altLang="zh-TW" sz="4000" kern="0" dirty="0">
                 <a:solidFill>
@@ -4678,17 +4708,40 @@
                 <a:ea typeface="inherit"/>
                 <a:cs typeface="Times New Roman" panose="02020603050405020304" pitchFamily="18" charset="0"/>
               </a:rPr>
-              <a:t>coding and decoding process.</a:t>
-            </a:r>
-            <a:endParaRPr lang="zh-TW" altLang="zh-TW" sz="4000" kern="100" dirty="0">
-              <a:effectLst/>
+              <a:t> in </a:t>
+            </a:r>
+            <a:r>
+              <a:rPr lang="en-US" altLang="zh-TW" sz="4000" kern="0" dirty="0">
+                <a:solidFill>
+                  <a:srgbClr val="202124"/>
+                </a:solidFill>
+                <a:effectLst/>
+                <a:latin typeface="Times New Roman" panose="02020603050405020304" pitchFamily="18" charset="0"/>
+                <a:ea typeface="inherit"/>
+                <a:cs typeface="Times New Roman" panose="02020603050405020304" pitchFamily="18" charset="0"/>
+              </a:rPr>
+              <a:t>the en</a:t>
+            </a:r>
+            <a:r>
+              <a:rPr lang="zh-TW" altLang="zh-TW" sz="4000" kern="0" dirty="0">
+                <a:solidFill>
+                  <a:srgbClr val="202124"/>
+                </a:solidFill>
+                <a:effectLst/>
+                <a:latin typeface="Times New Roman" panose="02020603050405020304" pitchFamily="18" charset="0"/>
+                <a:ea typeface="inherit"/>
+                <a:cs typeface="Times New Roman" panose="02020603050405020304" pitchFamily="18" charset="0"/>
+              </a:rPr>
+              <a:t>coding process.</a:t>
+            </a:r>
+            <a:endParaRPr lang="en-US" altLang="zh-TW" sz="4000" kern="100" dirty="0">
               <a:latin typeface="Times New Roman" panose="02020603050405020304" pitchFamily="18" charset="0"/>
               <a:ea typeface="新細明體" panose="02020500000000000000" pitchFamily="18" charset="-120"/>
               <a:cs typeface="Times New Roman" panose="02020603050405020304" pitchFamily="18" charset="0"/>
             </a:endParaRPr>
           </a:p>
           <a:p>
-            <a:pPr marL="571500" indent="-571500">
+            <a:pPr marL="457200" indent="-457200">
               <a:buFont typeface="Arial" panose="020B0604020202020204" pitchFamily="34" charset="0"/>
               <a:buChar char="•"/>
               <a:tabLst>
@@ -4720,7 +4773,7 @@
                 <a:ea typeface="inherit"/>
                 <a:cs typeface="Times New Roman" panose="02020603050405020304" pitchFamily="18" charset="0"/>
               </a:rPr>
-              <a:t>EDM-RoBERTa </a:t>
+              <a:t>The results will </a:t>
             </a:r>
             <a:r>
               <a:rPr lang="en-US" altLang="zh-TW" sz="4000" kern="0" dirty="0">
@@ -4729,112 +4782,22 @@
                 </a:solidFill>
                 <a:effectLst/>
                 <a:latin typeface="Times New Roman" panose="02020603050405020304" pitchFamily="18" charset="0"/>
-                <a:ea typeface="細明體" panose="02020509000000000000" pitchFamily="49" charset="-120"/>
-                <a:cs typeface="Times New Roman" panose="02020603050405020304" pitchFamily="18" charset="0"/>
-              </a:rPr>
-              <a:t>not only possesses the </a:t>
-            </a:r>
-          </a:p>
-          <a:p>
-            <a:pPr>
-              <a:tabLst>
-                <a:tab pos="581660" algn="l"/>
-                <a:tab pos="1163320" algn="l"/>
-                <a:tab pos="1744980" algn="l"/>
-                <a:tab pos="2326640" algn="l"/>
-                <a:tab pos="2908300" algn="l"/>
-                <a:tab pos="3489960" algn="l"/>
-                <a:tab pos="4071620" algn="l"/>
-                <a:tab pos="4653280" algn="l"/>
-                <a:tab pos="5234940" algn="l"/>
-                <a:tab pos="5816600" algn="l"/>
-                <a:tab pos="6398260" algn="l"/>
-                <a:tab pos="6979920" algn="l"/>
-                <a:tab pos="7561580" algn="l"/>
-                <a:tab pos="8143240" algn="l"/>
-                <a:tab pos="8724900" algn="l"/>
-                <a:tab pos="9306560" algn="l"/>
-              </a:tabLst>
-            </a:pPr>
-            <a:r>
-              <a:rPr lang="en-US" altLang="zh-TW" sz="4000" kern="0" dirty="0">
-                <a:solidFill>
-                  <a:srgbClr val="202124"/>
-                </a:solidFill>
-                <a:effectLst/>
-                <a:latin typeface="Times New Roman" panose="02020603050405020304" pitchFamily="18" charset="0"/>
-                <a:ea typeface="細明體" panose="02020509000000000000" pitchFamily="49" charset="-120"/>
-                <a:cs typeface="Times New Roman" panose="02020603050405020304" pitchFamily="18" charset="0"/>
-              </a:rPr>
-              <a:t>long-term dependence characteristics of the </a:t>
-            </a:r>
-          </a:p>
-          <a:p>
-            <a:pPr>
-              <a:tabLst>
-                <a:tab pos="581660" algn="l"/>
-                <a:tab pos="1163320" algn="l"/>
-                <a:tab pos="1744980" algn="l"/>
-                <a:tab pos="2326640" algn="l"/>
-                <a:tab pos="2908300" algn="l"/>
-                <a:tab pos="3489960" algn="l"/>
-                <a:tab pos="4071620" algn="l"/>
-                <a:tab pos="4653280" algn="l"/>
-                <a:tab pos="5234940" algn="l"/>
-                <a:tab pos="5816600" algn="l"/>
-                <a:tab pos="6398260" algn="l"/>
-                <a:tab pos="6979920" algn="l"/>
-                <a:tab pos="7561580" algn="l"/>
-                <a:tab pos="8143240" algn="l"/>
-                <a:tab pos="8724900" algn="l"/>
-                <a:tab pos="9306560" algn="l"/>
-              </a:tabLst>
-            </a:pPr>
-            <a:r>
-              <a:rPr lang="en-US" altLang="zh-TW" sz="4000" kern="0" dirty="0">
-                <a:solidFill>
-                  <a:srgbClr val="202124"/>
-                </a:solidFill>
-                <a:effectLst/>
-                <a:latin typeface="Times New Roman" panose="02020603050405020304" pitchFamily="18" charset="0"/>
-                <a:ea typeface="細明體" panose="02020509000000000000" pitchFamily="49" charset="-120"/>
-                <a:cs typeface="Times New Roman" panose="02020603050405020304" pitchFamily="18" charset="0"/>
-              </a:rPr>
-              <a:t>original Transformer, but meet the short-term</a:t>
-            </a:r>
-          </a:p>
-          <a:p>
-            <a:pPr>
-              <a:tabLst>
-                <a:tab pos="581660" algn="l"/>
-                <a:tab pos="1163320" algn="l"/>
-                <a:tab pos="1744980" algn="l"/>
-                <a:tab pos="2326640" algn="l"/>
-                <a:tab pos="2908300" algn="l"/>
-                <a:tab pos="3489960" algn="l"/>
-                <a:tab pos="4071620" algn="l"/>
-                <a:tab pos="4653280" algn="l"/>
-                <a:tab pos="5234940" algn="l"/>
-                <a:tab pos="5816600" algn="l"/>
-                <a:tab pos="6398260" algn="l"/>
-                <a:tab pos="6979920" algn="l"/>
-                <a:tab pos="7561580" algn="l"/>
-                <a:tab pos="8143240" algn="l"/>
-                <a:tab pos="8724900" algn="l"/>
-                <a:tab pos="9306560" algn="l"/>
-              </a:tabLst>
-            </a:pPr>
-            <a:r>
-              <a:rPr lang="en-US" altLang="zh-TW" sz="4000" kern="0" dirty="0">
-                <a:solidFill>
-                  <a:srgbClr val="202124"/>
-                </a:solidFill>
-                <a:effectLst/>
-                <a:latin typeface="Times New Roman" panose="02020603050405020304" pitchFamily="18" charset="0"/>
-                <a:ea typeface="細明體" panose="02020509000000000000" pitchFamily="49" charset="-120"/>
-                <a:cs typeface="Times New Roman" panose="02020603050405020304" pitchFamily="18" charset="0"/>
-              </a:rPr>
-              <a:t>dependency requirements. </a:t>
+                <a:ea typeface="inherit"/>
+                <a:cs typeface="Times New Roman" panose="02020603050405020304" pitchFamily="18" charset="0"/>
+              </a:rPr>
+              <a:t>also </a:t>
+            </a:r>
+            <a:r>
+              <a:rPr lang="zh-TW" altLang="zh-TW" sz="4000" kern="0" dirty="0">
+                <a:solidFill>
+                  <a:srgbClr val="202124"/>
+                </a:solidFill>
+                <a:effectLst/>
+                <a:latin typeface="Times New Roman" panose="02020603050405020304" pitchFamily="18" charset="0"/>
+                <a:ea typeface="inherit"/>
+                <a:cs typeface="Times New Roman" panose="02020603050405020304" pitchFamily="18" charset="0"/>
+              </a:rPr>
+              <a:t>be applied to other natural language sentiment analysis tasks such as sentiment analysis and social network analysis.</a:t>
             </a:r>
             <a:endParaRPr lang="zh-TW" altLang="zh-TW" sz="4000" kern="100" dirty="0">
               <a:effectLst/>
@@ -4843,177 +4806,6 @@
               <a:cs typeface="Times New Roman" panose="02020603050405020304" pitchFamily="18" charset="0"/>
             </a:endParaRPr>
           </a:p>
-          <a:p>
-            <a:pPr marL="571500" indent="-571500">
-              <a:buFont typeface="Arial" panose="020B0604020202020204" pitchFamily="34" charset="0"/>
-              <a:buChar char="•"/>
-              <a:tabLst>
-                <a:tab pos="581660" algn="l"/>
-                <a:tab pos="1163320" algn="l"/>
-                <a:tab pos="1744980" algn="l"/>
-                <a:tab pos="2326640" algn="l"/>
-                <a:tab pos="2908300" algn="l"/>
-                <a:tab pos="3489960" algn="l"/>
-                <a:tab pos="4071620" algn="l"/>
-                <a:tab pos="4653280" algn="l"/>
-                <a:tab pos="5234940" algn="l"/>
-                <a:tab pos="5816600" algn="l"/>
-                <a:tab pos="6398260" algn="l"/>
-                <a:tab pos="6979920" algn="l"/>
-                <a:tab pos="7561580" algn="l"/>
-                <a:tab pos="8143240" algn="l"/>
-                <a:tab pos="8724900" algn="l"/>
-                <a:tab pos="9306560" algn="l"/>
-              </a:tabLst>
-            </a:pPr>
-            <a:r>
-              <a:rPr lang="zh-TW" altLang="zh-TW" sz="4000" kern="0" dirty="0">
-                <a:solidFill>
-                  <a:srgbClr val="202124"/>
-                </a:solidFill>
-                <a:effectLst/>
-                <a:latin typeface="Times New Roman" panose="02020603050405020304" pitchFamily="18" charset="0"/>
-                <a:ea typeface="inherit"/>
-                <a:cs typeface="Times New Roman" panose="02020603050405020304" pitchFamily="18" charset="0"/>
-              </a:rPr>
-              <a:t>The results of this research will be applied to </a:t>
-            </a:r>
-            <a:endParaRPr lang="en-US" altLang="zh-TW" sz="4000" kern="0" dirty="0">
-              <a:solidFill>
-                <a:srgbClr val="202124"/>
-              </a:solidFill>
-              <a:effectLst/>
-              <a:latin typeface="Times New Roman" panose="02020603050405020304" pitchFamily="18" charset="0"/>
-              <a:ea typeface="inherit"/>
-              <a:cs typeface="Times New Roman" panose="02020603050405020304" pitchFamily="18" charset="0"/>
-            </a:endParaRPr>
-          </a:p>
-          <a:p>
-            <a:pPr>
-              <a:tabLst>
-                <a:tab pos="581660" algn="l"/>
-                <a:tab pos="1163320" algn="l"/>
-                <a:tab pos="1744980" algn="l"/>
-                <a:tab pos="2326640" algn="l"/>
-                <a:tab pos="2908300" algn="l"/>
-                <a:tab pos="3489960" algn="l"/>
-                <a:tab pos="4071620" algn="l"/>
-                <a:tab pos="4653280" algn="l"/>
-                <a:tab pos="5234940" algn="l"/>
-                <a:tab pos="5816600" algn="l"/>
-                <a:tab pos="6398260" algn="l"/>
-                <a:tab pos="6979920" algn="l"/>
-                <a:tab pos="7561580" algn="l"/>
-                <a:tab pos="8143240" algn="l"/>
-                <a:tab pos="8724900" algn="l"/>
-                <a:tab pos="9306560" algn="l"/>
-              </a:tabLst>
-            </a:pPr>
-            <a:r>
-              <a:rPr lang="zh-TW" altLang="zh-TW" sz="4000" kern="0" dirty="0">
-                <a:solidFill>
-                  <a:srgbClr val="202124"/>
-                </a:solidFill>
-                <a:effectLst/>
-                <a:latin typeface="Times New Roman" panose="02020603050405020304" pitchFamily="18" charset="0"/>
-                <a:ea typeface="inherit"/>
-                <a:cs typeface="Times New Roman" panose="02020603050405020304" pitchFamily="18" charset="0"/>
-              </a:rPr>
-              <a:t>other natural language sentiment analysis tasks </a:t>
-            </a:r>
-            <a:endParaRPr lang="en-US" altLang="zh-TW" sz="4000" kern="0" dirty="0">
-              <a:solidFill>
-                <a:srgbClr val="202124"/>
-              </a:solidFill>
-              <a:effectLst/>
-              <a:latin typeface="Times New Roman" panose="02020603050405020304" pitchFamily="18" charset="0"/>
-              <a:ea typeface="inherit"/>
-              <a:cs typeface="Times New Roman" panose="02020603050405020304" pitchFamily="18" charset="0"/>
-            </a:endParaRPr>
-          </a:p>
-          <a:p>
-            <a:pPr>
-              <a:tabLst>
-                <a:tab pos="581660" algn="l"/>
-                <a:tab pos="1163320" algn="l"/>
-                <a:tab pos="1744980" algn="l"/>
-                <a:tab pos="2326640" algn="l"/>
-                <a:tab pos="2908300" algn="l"/>
-                <a:tab pos="3489960" algn="l"/>
-                <a:tab pos="4071620" algn="l"/>
-                <a:tab pos="4653280" algn="l"/>
-                <a:tab pos="5234940" algn="l"/>
-                <a:tab pos="5816600" algn="l"/>
-                <a:tab pos="6398260" algn="l"/>
-                <a:tab pos="6979920" algn="l"/>
-                <a:tab pos="7561580" algn="l"/>
-                <a:tab pos="8143240" algn="l"/>
-                <a:tab pos="8724900" algn="l"/>
-                <a:tab pos="9306560" algn="l"/>
-              </a:tabLst>
-            </a:pPr>
-            <a:r>
-              <a:rPr lang="zh-TW" altLang="zh-TW" sz="4000" kern="0" dirty="0">
-                <a:solidFill>
-                  <a:srgbClr val="202124"/>
-                </a:solidFill>
-                <a:effectLst/>
-                <a:latin typeface="Times New Roman" panose="02020603050405020304" pitchFamily="18" charset="0"/>
-                <a:ea typeface="inherit"/>
-                <a:cs typeface="Times New Roman" panose="02020603050405020304" pitchFamily="18" charset="0"/>
-              </a:rPr>
-              <a:t>such as sentiment analysis and social network </a:t>
-            </a:r>
-            <a:endParaRPr lang="en-US" altLang="zh-TW" sz="4000" kern="0" dirty="0">
-              <a:solidFill>
-                <a:srgbClr val="202124"/>
-              </a:solidFill>
-              <a:effectLst/>
-              <a:latin typeface="Times New Roman" panose="02020603050405020304" pitchFamily="18" charset="0"/>
-              <a:ea typeface="inherit"/>
-              <a:cs typeface="Times New Roman" panose="02020603050405020304" pitchFamily="18" charset="0"/>
-            </a:endParaRPr>
-          </a:p>
-          <a:p>
-            <a:pPr>
-              <a:tabLst>
-                <a:tab pos="581660" algn="l"/>
-                <a:tab pos="1163320" algn="l"/>
-                <a:tab pos="1744980" algn="l"/>
-                <a:tab pos="2326640" algn="l"/>
-                <a:tab pos="2908300" algn="l"/>
-                <a:tab pos="3489960" algn="l"/>
-                <a:tab pos="4071620" algn="l"/>
-                <a:tab pos="4653280" algn="l"/>
-                <a:tab pos="5234940" algn="l"/>
-                <a:tab pos="5816600" algn="l"/>
-                <a:tab pos="6398260" algn="l"/>
-                <a:tab pos="6979920" algn="l"/>
-                <a:tab pos="7561580" algn="l"/>
-                <a:tab pos="8143240" algn="l"/>
-                <a:tab pos="8724900" algn="l"/>
-                <a:tab pos="9306560" algn="l"/>
-              </a:tabLst>
-            </a:pPr>
-            <a:r>
-              <a:rPr lang="zh-TW" altLang="zh-TW" sz="4000" kern="0" dirty="0">
-                <a:solidFill>
-                  <a:srgbClr val="202124"/>
-                </a:solidFill>
-                <a:effectLst/>
-                <a:latin typeface="Times New Roman" panose="02020603050405020304" pitchFamily="18" charset="0"/>
-                <a:ea typeface="inherit"/>
-                <a:cs typeface="Times New Roman" panose="02020603050405020304" pitchFamily="18" charset="0"/>
-              </a:rPr>
-              <a:t>analysis.</a:t>
-            </a:r>
-            <a:endParaRPr lang="zh-TW" altLang="zh-TW" sz="4000" kern="100" dirty="0">
-              <a:effectLst/>
-              <a:latin typeface="Times New Roman" panose="02020603050405020304" pitchFamily="18" charset="0"/>
-              <a:ea typeface="新細明體" panose="02020500000000000000" pitchFamily="18" charset="-120"/>
-              <a:cs typeface="Times New Roman" panose="02020603050405020304" pitchFamily="18" charset="0"/>
-            </a:endParaRPr>
-          </a:p>
         </p:txBody>
       </p:sp>
       <p:sp>
@@ -5021,7 +4813,7 @@
           <p:cNvPr id="35" name="Rectangle 3">
             <a:extLst>
               <a:ext uri="{FF2B5EF4-FFF2-40B4-BE49-F238E27FC236}">
-                <a16:creationId xmlns:a16="http://schemas.microsoft.com/office/drawing/2014/main" xmlns="" id="{AB836225-6CB4-4012-8968-9CCB9CF2BAC2}"/>
+                <a16:creationId xmlns:a16="http://schemas.microsoft.com/office/drawing/2014/main" id="{AB836225-6CB4-4012-8968-9CCB9CF2BAC2}"/>
               </a:ext>
             </a:extLst>
           </p:cNvPr>
@@ -5032,8 +4824,8 @@
         </p:nvSpPr>
         <p:spPr bwMode="auto">
           <a:xfrm>
-            <a:off x="134261" y="12367323"/>
-            <a:ext cx="11303062" cy="4812250"/>
+            <a:off x="330201" y="12171383"/>
+            <a:ext cx="11034482" cy="4812250"/>
           </a:xfrm>
           <a:prstGeom prst="rect">
             <a:avLst/>
@@ -5141,24 +4933,8 @@
                 <a:ea typeface="inherit"/>
                 <a:cs typeface="Times New Roman" panose="02020603050405020304" pitchFamily="18" charset="0"/>
               </a:rPr>
-              <a:t>models</a:t>
-            </a:r>
-          </a:p>
-          <a:p>
-            <a:pPr marR="0" lvl="0" algn="l" defTabSz="914400" rtl="0" eaLnBrk="0" fontAlgn="base" latinLnBrk="0" hangingPunct="0">
-              <a:lnSpc>
-                <a:spcPct val="100000"/>
-              </a:lnSpc>
-              <a:spcBef>
-                <a:spcPct val="0"/>
-              </a:spcBef>
-              <a:spcAft>
-                <a:spcPct val="0"/>
-              </a:spcAft>
-              <a:buClrTx/>
-              <a:buSzTx/>
-              <a:tabLst/>
-            </a:pPr>
+              <a:t>models </a:t>
+            </a:r>
             <a:r>
               <a:rPr kumimoji="0" lang="zh-TW" altLang="zh-TW" sz="4000" b="0" i="0" u="none" strike="noStrike" cap="none" normalizeH="0" baseline="0" dirty="0">
                 <a:ln>
@@ -5172,7 +4948,7 @@
                 <a:ea typeface="inherit"/>
                 <a:cs typeface="Times New Roman" panose="02020603050405020304" pitchFamily="18" charset="0"/>
               </a:rPr>
-              <a:t>(BERT, RoBERTa, XLNet, DistilBERT), SHA-RNN </a:t>
+              <a:t>(BERT, RoBERTa, XLNet, DistilBERT), SHA-RNN</a:t>
             </a:r>
             <a:r>
               <a:rPr lang="en-US" altLang="zh-TW" sz="4000" dirty="0">
@@ -5183,9 +4959,114 @@
                 <a:ea typeface="inherit"/>
                 <a:cs typeface="Times New Roman" panose="02020603050405020304" pitchFamily="18" charset="0"/>
               </a:rPr>
-              <a:t>,</a:t>
-            </a:r>
-            <a:br>
+              <a:t>, </a:t>
+            </a:r>
+            <a:r>
+              <a:rPr kumimoji="0" lang="zh-TW" altLang="zh-TW" sz="4000" b="0" i="0" u="none" strike="noStrike" cap="none" normalizeH="0" baseline="0" dirty="0">
+                <a:ln>
+                  <a:noFill/>
+                </a:ln>
+                <a:solidFill>
+                  <a:srgbClr val="202124"/>
+                </a:solidFill>
+                <a:effectLst/>
+                <a:latin typeface="Times New Roman" panose="02020603050405020304" pitchFamily="18" charset="0"/>
+                <a:ea typeface="inherit"/>
+                <a:cs typeface="Times New Roman" panose="02020603050405020304" pitchFamily="18" charset="0"/>
+              </a:rPr>
+              <a:t>and the self-attention mechanism in </a:t>
+            </a:r>
+            <a:r>
+              <a:rPr kumimoji="0" lang="en-US" altLang="zh-TW" sz="4000" b="0" i="0" u="none" strike="noStrike" cap="none" normalizeH="0" baseline="0" dirty="0">
+                <a:ln>
+                  <a:noFill/>
+                </a:ln>
+                <a:solidFill>
+                  <a:srgbClr val="202124"/>
+                </a:solidFill>
+                <a:effectLst/>
+                <a:latin typeface="Times New Roman" panose="02020603050405020304" pitchFamily="18" charset="0"/>
+                <a:ea typeface="inherit"/>
+                <a:cs typeface="Times New Roman" panose="02020603050405020304" pitchFamily="18" charset="0"/>
+              </a:rPr>
+              <a:t>the </a:t>
+            </a:r>
+            <a:r>
+              <a:rPr kumimoji="0" lang="zh-TW" altLang="zh-TW" sz="4000" b="0" i="0" u="none" strike="noStrike" cap="none" normalizeH="0" baseline="0" dirty="0">
+                <a:ln>
+                  <a:noFill/>
+                </a:ln>
+                <a:solidFill>
+                  <a:srgbClr val="202124"/>
+                </a:solidFill>
+                <a:effectLst/>
+                <a:latin typeface="Times New Roman" panose="02020603050405020304" pitchFamily="18" charset="0"/>
+                <a:ea typeface="inherit"/>
+                <a:cs typeface="Times New Roman" panose="02020603050405020304" pitchFamily="18" charset="0"/>
+              </a:rPr>
+              <a:t>Transformer as the</a:t>
+            </a:r>
+            <a:r>
+              <a:rPr kumimoji="0" lang="en-US" altLang="zh-TW" sz="4000" b="0" i="0" u="none" strike="noStrike" cap="none" normalizeH="0" baseline="0" dirty="0">
+                <a:ln>
+                  <a:noFill/>
+                </a:ln>
+                <a:solidFill>
+                  <a:srgbClr val="202124"/>
+                </a:solidFill>
+                <a:effectLst/>
+                <a:latin typeface="Times New Roman" panose="02020603050405020304" pitchFamily="18" charset="0"/>
+                <a:ea typeface="inherit"/>
+                <a:cs typeface="Times New Roman" panose="02020603050405020304" pitchFamily="18" charset="0"/>
+              </a:rPr>
+              <a:t> </a:t>
+            </a:r>
+            <a:r>
+              <a:rPr kumimoji="0" lang="zh-TW" altLang="zh-TW" sz="4000" b="0" i="0" u="none" strike="noStrike" cap="none" normalizeH="0" baseline="0" dirty="0">
+                <a:ln>
+                  <a:noFill/>
+                </a:ln>
+                <a:solidFill>
+                  <a:srgbClr val="202124"/>
+                </a:solidFill>
+                <a:effectLst/>
+                <a:latin typeface="Times New Roman" panose="02020603050405020304" pitchFamily="18" charset="0"/>
+                <a:ea typeface="inherit"/>
+                <a:cs typeface="Times New Roman" panose="02020603050405020304" pitchFamily="18" charset="0"/>
+              </a:rPr>
+              <a:t>main </a:t>
+            </a:r>
+            <a:r>
+              <a:rPr kumimoji="0" lang="en-US" altLang="zh-TW" sz="4000" b="0" i="0" u="none" strike="noStrike" cap="none" normalizeH="0" baseline="0" dirty="0">
+                <a:ln>
+                  <a:noFill/>
+                </a:ln>
+                <a:solidFill>
+                  <a:srgbClr val="202124"/>
+                </a:solidFill>
+                <a:effectLst/>
+                <a:latin typeface="Times New Roman" panose="02020603050405020304" pitchFamily="18" charset="0"/>
+                <a:ea typeface="inherit"/>
+                <a:cs typeface="Times New Roman" panose="02020603050405020304" pitchFamily="18" charset="0"/>
+              </a:rPr>
+              <a:t>structure.</a:t>
+            </a:r>
+            <a:r>
+              <a:rPr kumimoji="0" lang="zh-TW" altLang="zh-TW" sz="4000" b="0" i="0" u="none" strike="noStrike" cap="none" normalizeH="0" baseline="0" dirty="0">
+                <a:ln>
+                  <a:noFill/>
+                </a:ln>
+                <a:solidFill>
+                  <a:srgbClr val="202124"/>
+                </a:solidFill>
+                <a:effectLst/>
+                <a:latin typeface="Times New Roman" panose="02020603050405020304" pitchFamily="18" charset="0"/>
+                <a:ea typeface="inherit"/>
+                <a:cs typeface="Times New Roman" panose="02020603050405020304" pitchFamily="18" charset="0"/>
+              </a:rPr>
+              <a:t> </a:t>
+            </a:r>
+            <a:r>
               <a:rPr lang="en-US" altLang="zh-TW" sz="4000" dirty="0">
                 <a:solidFill>
                   <a:srgbClr val="202124"/>
@@ -5194,7 +5075,8 @@
                 <a:ea typeface="inherit"/>
                 <a:cs typeface="Times New Roman" panose="02020603050405020304" pitchFamily="18" charset="0"/>
               </a:rPr>
-            </a:br>
+              <a:t>T</a:t>
+            </a:r>
             <a:r>
               <a:rPr kumimoji="0" lang="zh-TW" altLang="zh-TW" sz="4000" b="0" i="0" u="none" strike="noStrike" cap="none" normalizeH="0" baseline="0" dirty="0">
                 <a:ln>
@@ -5208,7 +5090,33 @@
                 <a:ea typeface="inherit"/>
                 <a:cs typeface="Times New Roman" panose="02020603050405020304" pitchFamily="18" charset="0"/>
               </a:rPr>
-              <a:t>and the self-attention mechanism in Transformer as the</a:t>
+              <a:t>he Boom Layer of SHA-RNN is transformed to realize the attention mechanism for high-dimensional vector </a:t>
+            </a:r>
+            <a:r>
+              <a:rPr lang="en-US" altLang="zh-TW" sz="4000" dirty="0">
+                <a:solidFill>
+                  <a:srgbClr val="202124"/>
+                </a:solidFill>
+                <a:latin typeface="Times New Roman" panose="02020603050405020304" pitchFamily="18" charset="0"/>
+                <a:ea typeface="inherit"/>
+                <a:cs typeface="Times New Roman" panose="02020603050405020304" pitchFamily="18" charset="0"/>
+              </a:rPr>
+              <a:t>c</a:t>
+            </a:r>
+            <a:r>
+              <a:rPr kumimoji="0" lang="zh-TW" altLang="zh-TW" sz="4000" b="0" i="0" u="none" strike="noStrike" cap="none" normalizeH="0" baseline="0" dirty="0">
+                <a:ln>
+                  <a:noFill/>
+                </a:ln>
+                <a:solidFill>
+                  <a:srgbClr val="202124"/>
+                </a:solidFill>
+                <a:effectLst/>
+                <a:latin typeface="Times New Roman" panose="02020603050405020304" pitchFamily="18" charset="0"/>
+                <a:ea typeface="inherit"/>
+                <a:cs typeface="Times New Roman" panose="02020603050405020304" pitchFamily="18" charset="0"/>
+              </a:rPr>
+              <a:t>onvert</a:t>
             </a:r>
             <a:r>
               <a:rPr kumimoji="0" lang="en-US" altLang="zh-TW" sz="4000" b="0" i="0" u="none" strike="noStrike" cap="none" normalizeH="0" baseline="0" dirty="0">
@@ -5223,22 +5131,19 @@
                 <a:ea typeface="inherit"/>
                 <a:cs typeface="Times New Roman" panose="02020603050405020304" pitchFamily="18" charset="0"/>
               </a:rPr>
-              <a:t/>
-            </a:r>
-            <a:br>
-              <a:rPr kumimoji="0" lang="en-US" altLang="zh-TW" sz="4000" b="0" i="0" u="none" strike="noStrike" cap="none" normalizeH="0" baseline="0" dirty="0">
-                <a:ln>
-                  <a:noFill/>
-                </a:ln>
-                <a:solidFill>
-                  <a:srgbClr val="202124"/>
-                </a:solidFill>
-                <a:effectLst/>
-                <a:latin typeface="Times New Roman" panose="02020603050405020304" pitchFamily="18" charset="0"/>
-                <a:ea typeface="inherit"/>
-                <a:cs typeface="Times New Roman" panose="02020603050405020304" pitchFamily="18" charset="0"/>
-              </a:rPr>
-            </a:br>
+              <a:t>ion</a:t>
+            </a:r>
+            <a:r>
+              <a:rPr lang="en-US" altLang="zh-TW" sz="4000" dirty="0">
+                <a:solidFill>
+                  <a:srgbClr val="202124"/>
+                </a:solidFill>
+                <a:latin typeface="Times New Roman" panose="02020603050405020304" pitchFamily="18" charset="0"/>
+                <a:ea typeface="inherit"/>
+                <a:cs typeface="Times New Roman" panose="02020603050405020304" pitchFamily="18" charset="0"/>
+              </a:rPr>
+              <a:t> and then</a:t>
+            </a:r>
             <a:r>
               <a:rPr kumimoji="0" lang="zh-TW" altLang="zh-TW" sz="4000" b="0" i="0" u="none" strike="noStrike" cap="none" normalizeH="0" baseline="0" dirty="0">
                 <a:ln>
@@ -5252,22 +5157,18 @@
                 <a:ea typeface="inherit"/>
                 <a:cs typeface="Times New Roman" panose="02020603050405020304" pitchFamily="18" charset="0"/>
               </a:rPr>
-              <a:t>main axis</a:t>
-            </a:r>
-            <a:r>
-              <a:rPr kumimoji="0" lang="en-US" altLang="zh-TW" sz="4000" b="0" i="0" u="none" strike="noStrike" cap="none" normalizeH="0" baseline="0" dirty="0">
-                <a:ln>
-                  <a:noFill/>
-                </a:ln>
-                <a:solidFill>
-                  <a:srgbClr val="202124"/>
-                </a:solidFill>
-                <a:effectLst/>
-                <a:latin typeface="Times New Roman" panose="02020603050405020304" pitchFamily="18" charset="0"/>
-                <a:ea typeface="inherit"/>
-                <a:cs typeface="Times New Roman" panose="02020603050405020304" pitchFamily="18" charset="0"/>
-              </a:rPr>
-              <a:t>.</a:t>
+              <a:t> improv</a:t>
+            </a:r>
+            <a:r>
+              <a:rPr lang="en-US" altLang="zh-TW" sz="4000" dirty="0">
+                <a:solidFill>
+                  <a:srgbClr val="202124"/>
+                </a:solidFill>
+                <a:latin typeface="Times New Roman" panose="02020603050405020304" pitchFamily="18" charset="0"/>
+                <a:ea typeface="inherit"/>
+                <a:cs typeface="Times New Roman" panose="02020603050405020304" pitchFamily="18" charset="0"/>
+              </a:rPr>
+              <a:t>e</a:t>
             </a:r>
             <a:r>
               <a:rPr kumimoji="0" lang="zh-TW" altLang="zh-TW" sz="4000" b="0" i="0" u="none" strike="noStrike" cap="none" normalizeH="0" baseline="0" dirty="0">
@@ -5282,158 +5183,37 @@
                 <a:ea typeface="inherit"/>
                 <a:cs typeface="Times New Roman" panose="02020603050405020304" pitchFamily="18" charset="0"/>
               </a:rPr>
+              <a:t> the multi-head</a:t>
+            </a:r>
+            <a:r>
+              <a:rPr kumimoji="0" lang="en-US" altLang="zh-TW" sz="4000" b="0" i="0" u="none" strike="noStrike" cap="none" normalizeH="0" baseline="0" dirty="0" err="1">
+                <a:ln>
+                  <a:noFill/>
+                </a:ln>
+                <a:solidFill>
+                  <a:srgbClr val="202124"/>
+                </a:solidFill>
+                <a:effectLst/>
+                <a:latin typeface="Times New Roman" panose="02020603050405020304" pitchFamily="18" charset="0"/>
+                <a:ea typeface="inherit"/>
+                <a:cs typeface="Times New Roman" panose="02020603050405020304" pitchFamily="18" charset="0"/>
+              </a:rPr>
+              <a:t>ed</a:t>
+            </a:r>
+            <a:r>
+              <a:rPr kumimoji="0" lang="zh-TW" altLang="zh-TW" sz="4000" b="0" i="0" u="none" strike="noStrike" cap="none" normalizeH="0" baseline="0" dirty="0">
+                <a:ln>
+                  <a:noFill/>
+                </a:ln>
+                <a:solidFill>
+                  <a:srgbClr val="202124"/>
+                </a:solidFill>
+                <a:effectLst/>
+                <a:latin typeface="Times New Roman" panose="02020603050405020304" pitchFamily="18" charset="0"/>
+                <a:ea typeface="inherit"/>
+                <a:cs typeface="Times New Roman" panose="02020603050405020304" pitchFamily="18" charset="0"/>
+              </a:rPr>
               <a:t> </a:t>
-            </a:r>
-            <a:r>
-              <a:rPr lang="en-US" altLang="zh-TW" sz="4000" dirty="0">
-                <a:solidFill>
-                  <a:srgbClr val="202124"/>
-                </a:solidFill>
-                <a:latin typeface="Times New Roman" panose="02020603050405020304" pitchFamily="18" charset="0"/>
-                <a:ea typeface="inherit"/>
-                <a:cs typeface="Times New Roman" panose="02020603050405020304" pitchFamily="18" charset="0"/>
-              </a:rPr>
-              <a:t>T</a:t>
-            </a:r>
-            <a:r>
-              <a:rPr kumimoji="0" lang="zh-TW" altLang="zh-TW" sz="4000" b="0" i="0" u="none" strike="noStrike" cap="none" normalizeH="0" baseline="0" dirty="0">
-                <a:ln>
-                  <a:noFill/>
-                </a:ln>
-                <a:solidFill>
-                  <a:srgbClr val="202124"/>
-                </a:solidFill>
-                <a:effectLst/>
-                <a:latin typeface="Times New Roman" panose="02020603050405020304" pitchFamily="18" charset="0"/>
-                <a:ea typeface="inherit"/>
-                <a:cs typeface="Times New Roman" panose="02020603050405020304" pitchFamily="18" charset="0"/>
-              </a:rPr>
-              <a:t>he Boom Layer of SHA-RNN is </a:t>
-            </a:r>
-            <a:endParaRPr kumimoji="0" lang="en-US" altLang="zh-TW" sz="4000" b="0" i="0" u="none" strike="noStrike" cap="none" normalizeH="0" baseline="0" dirty="0">
-              <a:ln>
-                <a:noFill/>
-              </a:ln>
-              <a:solidFill>
-                <a:srgbClr val="202124"/>
-              </a:solidFill>
-              <a:effectLst/>
-              <a:latin typeface="Times New Roman" panose="02020603050405020304" pitchFamily="18" charset="0"/>
-              <a:ea typeface="inherit"/>
-              <a:cs typeface="Times New Roman" panose="02020603050405020304" pitchFamily="18" charset="0"/>
-            </a:endParaRPr>
-          </a:p>
-          <a:p>
-            <a:pPr marR="0" lvl="0" algn="l" defTabSz="914400" rtl="0" eaLnBrk="0" fontAlgn="base" latinLnBrk="0" hangingPunct="0">
-              <a:lnSpc>
-                <a:spcPct val="100000"/>
-              </a:lnSpc>
-              <a:spcBef>
-                <a:spcPct val="0"/>
-              </a:spcBef>
-              <a:spcAft>
-                <a:spcPct val="0"/>
-              </a:spcAft>
-              <a:buClrTx/>
-              <a:buSzTx/>
-              <a:tabLst/>
-            </a:pPr>
-            <a:r>
-              <a:rPr kumimoji="0" lang="zh-TW" altLang="zh-TW" sz="4000" b="0" i="0" u="none" strike="noStrike" cap="none" normalizeH="0" baseline="0" dirty="0">
-                <a:ln>
-                  <a:noFill/>
-                </a:ln>
-                <a:solidFill>
-                  <a:srgbClr val="202124"/>
-                </a:solidFill>
-                <a:effectLst/>
-                <a:latin typeface="Times New Roman" panose="02020603050405020304" pitchFamily="18" charset="0"/>
-                <a:ea typeface="inherit"/>
-                <a:cs typeface="Times New Roman" panose="02020603050405020304" pitchFamily="18" charset="0"/>
-              </a:rPr>
-              <a:t>transformed to realize the attention mechanism for high-dimensional vectors </a:t>
-            </a:r>
-            <a:r>
-              <a:rPr lang="en-US" altLang="zh-TW" sz="4000" dirty="0">
-                <a:solidFill>
-                  <a:srgbClr val="202124"/>
-                </a:solidFill>
-                <a:latin typeface="Times New Roman" panose="02020603050405020304" pitchFamily="18" charset="0"/>
-                <a:ea typeface="inherit"/>
-                <a:cs typeface="Times New Roman" panose="02020603050405020304" pitchFamily="18" charset="0"/>
-              </a:rPr>
-              <a:t>c</a:t>
-            </a:r>
-            <a:r>
-              <a:rPr kumimoji="0" lang="zh-TW" altLang="zh-TW" sz="4000" b="0" i="0" u="none" strike="noStrike" cap="none" normalizeH="0" baseline="0" dirty="0">
-                <a:ln>
-                  <a:noFill/>
-                </a:ln>
-                <a:solidFill>
-                  <a:srgbClr val="202124"/>
-                </a:solidFill>
-                <a:effectLst/>
-                <a:latin typeface="Times New Roman" panose="02020603050405020304" pitchFamily="18" charset="0"/>
-                <a:ea typeface="inherit"/>
-                <a:cs typeface="Times New Roman" panose="02020603050405020304" pitchFamily="18" charset="0"/>
-              </a:rPr>
-              <a:t>onvert</a:t>
-            </a:r>
-            <a:r>
-              <a:rPr kumimoji="0" lang="en-US" altLang="zh-TW" sz="4000" b="0" i="0" u="none" strike="noStrike" cap="none" normalizeH="0" baseline="0" dirty="0">
-                <a:ln>
-                  <a:noFill/>
-                </a:ln>
-                <a:solidFill>
-                  <a:srgbClr val="202124"/>
-                </a:solidFill>
-                <a:effectLst/>
-                <a:latin typeface="Times New Roman" panose="02020603050405020304" pitchFamily="18" charset="0"/>
-                <a:ea typeface="inherit"/>
-                <a:cs typeface="Times New Roman" panose="02020603050405020304" pitchFamily="18" charset="0"/>
-              </a:rPr>
-              <a:t>ion</a:t>
-            </a:r>
-            <a:r>
-              <a:rPr kumimoji="0" lang="zh-TW" altLang="zh-TW" sz="4000" b="0" i="0" u="none" strike="noStrike" cap="none" normalizeH="0" baseline="0" dirty="0">
-                <a:ln>
-                  <a:noFill/>
-                </a:ln>
-                <a:solidFill>
-                  <a:srgbClr val="202124"/>
-                </a:solidFill>
-                <a:effectLst/>
-                <a:latin typeface="Times New Roman" panose="02020603050405020304" pitchFamily="18" charset="0"/>
-                <a:ea typeface="inherit"/>
-                <a:cs typeface="Times New Roman" panose="02020603050405020304" pitchFamily="18" charset="0"/>
-              </a:rPr>
-              <a:t>, improv</a:t>
-            </a:r>
-            <a:r>
-              <a:rPr lang="en-US" altLang="zh-TW" sz="4000" dirty="0">
-                <a:solidFill>
-                  <a:srgbClr val="202124"/>
-                </a:solidFill>
-                <a:latin typeface="Times New Roman" panose="02020603050405020304" pitchFamily="18" charset="0"/>
-                <a:ea typeface="inherit"/>
-                <a:cs typeface="Times New Roman" panose="02020603050405020304" pitchFamily="18" charset="0"/>
-              </a:rPr>
-              <a:t>e</a:t>
-            </a:r>
-            <a:r>
-              <a:rPr kumimoji="0" lang="zh-TW" altLang="zh-TW" sz="4000" b="0" i="0" u="none" strike="noStrike" cap="none" normalizeH="0" baseline="0" dirty="0">
-                <a:ln>
-                  <a:noFill/>
-                </a:ln>
-                <a:solidFill>
-                  <a:srgbClr val="202124"/>
-                </a:solidFill>
-                <a:effectLst/>
-                <a:latin typeface="Times New Roman" panose="02020603050405020304" pitchFamily="18" charset="0"/>
-                <a:ea typeface="inherit"/>
-                <a:cs typeface="Times New Roman" panose="02020603050405020304" pitchFamily="18" charset="0"/>
-              </a:rPr>
-              <a:t> the original multi-head </a:t>
             </a:r>
             <a:r>
               <a:rPr lang="en-US" altLang="zh-TW" sz="4000" dirty="0">
@@ -5539,7 +5319,7 @@
           <p:cNvPr id="37" name="圖片 36">
             <a:extLst>
               <a:ext uri="{FF2B5EF4-FFF2-40B4-BE49-F238E27FC236}">
-                <a16:creationId xmlns:a16="http://schemas.microsoft.com/office/drawing/2014/main" xmlns="" id="{F798ED8F-8C9F-4417-ADDE-D9D10A6DEB0D}"/>
+                <a16:creationId xmlns:a16="http://schemas.microsoft.com/office/drawing/2014/main" id="{F798ED8F-8C9F-4417-ADDE-D9D10A6DEB0D}"/>
               </a:ext>
             </a:extLst>
           </p:cNvPr>
@@ -5562,8 +5342,8 @@
         </p:blipFill>
         <p:spPr>
           <a:xfrm>
-            <a:off x="16256805" y="9847798"/>
-            <a:ext cx="3923078" cy="10544692"/>
+            <a:off x="16256804" y="9847797"/>
+            <a:ext cx="4185214" cy="11249277"/>
           </a:xfrm>
           <a:prstGeom prst="rect">
             <a:avLst/>
@@ -5575,7 +5355,7 @@
           <p:cNvPr id="11" name="圖片 10">
             <a:extLst>
               <a:ext uri="{FF2B5EF4-FFF2-40B4-BE49-F238E27FC236}">
-                <a16:creationId xmlns:a16="http://schemas.microsoft.com/office/drawing/2014/main" xmlns="" id="{F15E0162-799F-4DAA-97CF-F2260058307A}"/>
+                <a16:creationId xmlns:a16="http://schemas.microsoft.com/office/drawing/2014/main" id="{F15E0162-799F-4DAA-97CF-F2260058307A}"/>
               </a:ext>
             </a:extLst>
           </p:cNvPr>
@@ -5611,7 +5391,7 @@
           <p:cNvPr id="29" name="圖片 28">
             <a:extLst>
               <a:ext uri="{FF2B5EF4-FFF2-40B4-BE49-F238E27FC236}">
-                <a16:creationId xmlns:a16="http://schemas.microsoft.com/office/drawing/2014/main" xmlns="" id="{36F7973C-6356-49CF-9C81-6C45FC1CE0AC}"/>
+                <a16:creationId xmlns:a16="http://schemas.microsoft.com/office/drawing/2014/main" id="{36F7973C-6356-49CF-9C81-6C45FC1CE0AC}"/>
               </a:ext>
             </a:extLst>
           </p:cNvPr>
@@ -5641,7 +5421,7 @@
           <p:cNvPr id="31" name="圖片 30">
             <a:extLst>
               <a:ext uri="{FF2B5EF4-FFF2-40B4-BE49-F238E27FC236}">
-                <a16:creationId xmlns:a16="http://schemas.microsoft.com/office/drawing/2014/main" xmlns="" id="{E5E8DC06-BA5A-4850-9470-22A25107170D}"/>
+                <a16:creationId xmlns:a16="http://schemas.microsoft.com/office/drawing/2014/main" id="{E5E8DC06-BA5A-4850-9470-22A25107170D}"/>
               </a:ext>
             </a:extLst>
           </p:cNvPr>
@@ -5671,7 +5451,7 @@
           <p:cNvPr id="33" name="圖片 32">
             <a:extLst>
               <a:ext uri="{FF2B5EF4-FFF2-40B4-BE49-F238E27FC236}">
-                <a16:creationId xmlns:a16="http://schemas.microsoft.com/office/drawing/2014/main" xmlns="" id="{79817E70-622B-4467-90B0-3C1A117D6E85}"/>
+                <a16:creationId xmlns:a16="http://schemas.microsoft.com/office/drawing/2014/main" id="{79817E70-622B-4467-90B0-3C1A117D6E85}"/>
               </a:ext>
             </a:extLst>
           </p:cNvPr>
@@ -5701,7 +5481,7 @@
           <p:cNvPr id="9" name="圖片 8">
             <a:extLst>
               <a:ext uri="{FF2B5EF4-FFF2-40B4-BE49-F238E27FC236}">
-                <a16:creationId xmlns:a16="http://schemas.microsoft.com/office/drawing/2014/main" xmlns="" id="{540FC56F-A197-46E0-85BE-D21C982AE1A3}"/>
+                <a16:creationId xmlns:a16="http://schemas.microsoft.com/office/drawing/2014/main" id="{540FC56F-A197-46E0-85BE-D21C982AE1A3}"/>
               </a:ext>
             </a:extLst>
           </p:cNvPr>

--- a/Lab/Poster.pptx
+++ b/Lab/Poster.pptx
@@ -243,7 +243,7 @@
           <a:p>
             <a:fld id="{AACF1CD8-7D76-4BA6-9FA7-2FA0E557EBD4}" type="datetimeFigureOut">
               <a:rPr lang="zh-TW" altLang="en-US" smtClean="0"/>
-              <a:t>2020/12/29</a:t>
+              <a:t>2021/1/4</a:t>
             </a:fld>
             <a:endParaRPr lang="zh-TW" altLang="en-US"/>
           </a:p>
@@ -413,7 +413,7 @@
           <a:p>
             <a:fld id="{AACF1CD8-7D76-4BA6-9FA7-2FA0E557EBD4}" type="datetimeFigureOut">
               <a:rPr lang="zh-TW" altLang="en-US" smtClean="0"/>
-              <a:t>2020/12/29</a:t>
+              <a:t>2021/1/4</a:t>
             </a:fld>
             <a:endParaRPr lang="zh-TW" altLang="en-US"/>
           </a:p>
@@ -593,7 +593,7 @@
           <a:p>
             <a:fld id="{AACF1CD8-7D76-4BA6-9FA7-2FA0E557EBD4}" type="datetimeFigureOut">
               <a:rPr lang="zh-TW" altLang="en-US" smtClean="0"/>
-              <a:t>2020/12/29</a:t>
+              <a:t>2021/1/4</a:t>
             </a:fld>
             <a:endParaRPr lang="zh-TW" altLang="en-US"/>
           </a:p>
@@ -763,7 +763,7 @@
           <a:p>
             <a:fld id="{AACF1CD8-7D76-4BA6-9FA7-2FA0E557EBD4}" type="datetimeFigureOut">
               <a:rPr lang="zh-TW" altLang="en-US" smtClean="0"/>
-              <a:t>2020/12/29</a:t>
+              <a:t>2021/1/4</a:t>
             </a:fld>
             <a:endParaRPr lang="zh-TW" altLang="en-US"/>
           </a:p>
@@ -1007,7 +1007,7 @@
           <a:p>
             <a:fld id="{AACF1CD8-7D76-4BA6-9FA7-2FA0E557EBD4}" type="datetimeFigureOut">
               <a:rPr lang="zh-TW" altLang="en-US" smtClean="0"/>
-              <a:t>2020/12/29</a:t>
+              <a:t>2021/1/4</a:t>
             </a:fld>
             <a:endParaRPr lang="zh-TW" altLang="en-US"/>
           </a:p>
@@ -1239,7 +1239,7 @@
           <a:p>
             <a:fld id="{AACF1CD8-7D76-4BA6-9FA7-2FA0E557EBD4}" type="datetimeFigureOut">
               <a:rPr lang="zh-TW" altLang="en-US" smtClean="0"/>
-              <a:t>2020/12/29</a:t>
+              <a:t>2021/1/4</a:t>
             </a:fld>
             <a:endParaRPr lang="zh-TW" altLang="en-US"/>
           </a:p>
@@ -1606,7 +1606,7 @@
           <a:p>
             <a:fld id="{AACF1CD8-7D76-4BA6-9FA7-2FA0E557EBD4}" type="datetimeFigureOut">
               <a:rPr lang="zh-TW" altLang="en-US" smtClean="0"/>
-              <a:t>2020/12/29</a:t>
+              <a:t>2021/1/4</a:t>
             </a:fld>
             <a:endParaRPr lang="zh-TW" altLang="en-US"/>
           </a:p>
@@ -1724,7 +1724,7 @@
           <a:p>
             <a:fld id="{AACF1CD8-7D76-4BA6-9FA7-2FA0E557EBD4}" type="datetimeFigureOut">
               <a:rPr lang="zh-TW" altLang="en-US" smtClean="0"/>
-              <a:t>2020/12/29</a:t>
+              <a:t>2021/1/4</a:t>
             </a:fld>
             <a:endParaRPr lang="zh-TW" altLang="en-US"/>
           </a:p>
@@ -1819,7 +1819,7 @@
           <a:p>
             <a:fld id="{AACF1CD8-7D76-4BA6-9FA7-2FA0E557EBD4}" type="datetimeFigureOut">
               <a:rPr lang="zh-TW" altLang="en-US" smtClean="0"/>
-              <a:t>2020/12/29</a:t>
+              <a:t>2021/1/4</a:t>
             </a:fld>
             <a:endParaRPr lang="zh-TW" altLang="en-US"/>
           </a:p>
@@ -2096,7 +2096,7 @@
           <a:p>
             <a:fld id="{AACF1CD8-7D76-4BA6-9FA7-2FA0E557EBD4}" type="datetimeFigureOut">
               <a:rPr lang="zh-TW" altLang="en-US" smtClean="0"/>
-              <a:t>2020/12/29</a:t>
+              <a:t>2021/1/4</a:t>
             </a:fld>
             <a:endParaRPr lang="zh-TW" altLang="en-US"/>
           </a:p>
@@ -2353,7 +2353,7 @@
           <a:p>
             <a:fld id="{AACF1CD8-7D76-4BA6-9FA7-2FA0E557EBD4}" type="datetimeFigureOut">
               <a:rPr lang="zh-TW" altLang="en-US" smtClean="0"/>
-              <a:t>2020/12/29</a:t>
+              <a:t>2021/1/4</a:t>
             </a:fld>
             <a:endParaRPr lang="zh-TW" altLang="en-US"/>
           </a:p>
@@ -2566,7 +2566,7 @@
           <a:p>
             <a:fld id="{AACF1CD8-7D76-4BA6-9FA7-2FA0E557EBD4}" type="datetimeFigureOut">
               <a:rPr lang="zh-TW" altLang="en-US" smtClean="0"/>
-              <a:t>2020/12/29</a:t>
+              <a:t>2021/1/4</a:t>
             </a:fld>
             <a:endParaRPr lang="zh-TW" altLang="en-US"/>
           </a:p>
@@ -2985,7 +2985,7 @@
         </p:nvSpPr>
         <p:spPr>
           <a:xfrm>
-            <a:off x="-17896" y="-232188"/>
+            <a:off x="-48263" y="-408426"/>
             <a:ext cx="21635315" cy="30011271"/>
           </a:xfrm>
           <a:prstGeom prst="rect">
@@ -4026,11 +4026,18 @@
           </a:p>
           <a:p>
             <a:r>
+              <a:rPr lang="zh-TW" altLang="en-US" sz="5000">
+                <a:latin typeface="標楷體" panose="03000509000000000000" pitchFamily="65" charset="-120"/>
+                <a:ea typeface="標楷體" panose="03000509000000000000" pitchFamily="65" charset="-120"/>
+              </a:rPr>
+              <a:t>              吳岳霖</a:t>
+            </a:r>
+            <a:r>
               <a:rPr lang="zh-TW" altLang="en-US" sz="5000" dirty="0">
                 <a:latin typeface="標楷體" panose="03000509000000000000" pitchFamily="65" charset="-120"/>
                 <a:ea typeface="標楷體" panose="03000509000000000000" pitchFamily="65" charset="-120"/>
               </a:rPr>
-              <a:t>           吳岳霖、林裕峰</a:t>
+              <a:t>、林裕峰</a:t>
             </a:r>
           </a:p>
         </p:txBody>
@@ -4183,7 +4190,7 @@
         </p:nvSpPr>
         <p:spPr>
           <a:xfrm>
-            <a:off x="4801586" y="17495453"/>
+            <a:off x="4863171" y="17261697"/>
             <a:ext cx="1755609" cy="784830"/>
           </a:xfrm>
           <a:prstGeom prst="rect">
@@ -4227,7 +4234,7 @@
         </p:nvSpPr>
         <p:spPr>
           <a:xfrm>
-            <a:off x="39228" y="18431355"/>
+            <a:off x="494989" y="18001425"/>
             <a:ext cx="11577080" cy="646331"/>
           </a:xfrm>
           <a:prstGeom prst="rect">
@@ -4275,7 +4282,7 @@
         </p:nvSpPr>
         <p:spPr>
           <a:xfrm>
-            <a:off x="0" y="23081691"/>
+            <a:off x="535911" y="22664891"/>
             <a:ext cx="10491975" cy="1200329"/>
           </a:xfrm>
           <a:prstGeom prst="rect">
@@ -4532,8 +4539,8 @@
         </p:nvSpPr>
         <p:spPr>
           <a:xfrm>
-            <a:off x="11461534" y="22145728"/>
-            <a:ext cx="10297927" cy="5632311"/>
+            <a:off x="12236705" y="22316511"/>
+            <a:ext cx="9099229" cy="6178614"/>
           </a:xfrm>
           <a:prstGeom prst="rect">
             <a:avLst/>
@@ -4546,9 +4553,7 @@
           </a:bodyPr>
           <a:lstStyle/>
           <a:p>
-            <a:pPr marL="457200" indent="-457200">
-              <a:buFont typeface="Arial" panose="020B0604020202020204" pitchFamily="34" charset="0"/>
-              <a:buChar char="•"/>
+            <a:pPr>
               <a:tabLst>
                 <a:tab pos="581660" algn="l"/>
                 <a:tab pos="1163320" algn="l"/>
@@ -4578,10 +4583,22 @@
                 <a:ea typeface="inherit"/>
                 <a:cs typeface="Times New Roman" panose="02020603050405020304" pitchFamily="18" charset="0"/>
               </a:rPr>
+              <a:t> </a:t>
+            </a:r>
+            <a:r>
+              <a:rPr lang="en-US" altLang="zh-TW" sz="3950" kern="0" dirty="0">
+                <a:solidFill>
+                  <a:srgbClr val="202124"/>
+                </a:solidFill>
+                <a:effectLst/>
+                <a:latin typeface="Times New Roman" panose="02020603050405020304" pitchFamily="18" charset="0"/>
+                <a:ea typeface="inherit"/>
+                <a:cs typeface="Times New Roman" panose="02020603050405020304" pitchFamily="18" charset="0"/>
+              </a:rPr>
               <a:t>The r</a:t>
             </a:r>
             <a:r>
-              <a:rPr lang="zh-TW" altLang="zh-TW" sz="4000" kern="0" dirty="0">
+              <a:rPr lang="zh-TW" altLang="zh-TW" sz="3950" kern="0" dirty="0">
                 <a:solidFill>
                   <a:srgbClr val="202124"/>
                 </a:solidFill>
@@ -4593,7 +4610,7 @@
               <a:t>esults shows that our EDM-RoBERTa model </a:t>
             </a:r>
             <a:r>
-              <a:rPr lang="en-US" altLang="zh-TW" sz="4000" kern="0" dirty="0">
+              <a:rPr lang="en-US" altLang="zh-TW" sz="3950" kern="0" dirty="0">
                 <a:solidFill>
                   <a:srgbClr val="202124"/>
                 </a:solidFill>
@@ -4605,7 +4622,7 @@
               <a:t>o</a:t>
             </a:r>
             <a:r>
-              <a:rPr lang="zh-TW" altLang="zh-TW" sz="4000" kern="0" dirty="0">
+              <a:rPr lang="zh-TW" altLang="zh-TW" sz="3950" kern="0" dirty="0">
                 <a:solidFill>
                   <a:srgbClr val="202124"/>
                 </a:solidFill>
@@ -4617,7 +4634,7 @@
               <a:t>btains</a:t>
             </a:r>
             <a:r>
-              <a:rPr lang="zh-TW" altLang="en-US" sz="4000" kern="0" dirty="0">
+              <a:rPr lang="zh-TW" altLang="en-US" sz="3950" kern="0" dirty="0">
                 <a:solidFill>
                   <a:srgbClr val="202124"/>
                 </a:solidFill>
@@ -4628,7 +4645,7 @@
               <a:t> </a:t>
             </a:r>
             <a:r>
-              <a:rPr lang="zh-TW" altLang="zh-TW" sz="4000" kern="0" dirty="0">
+              <a:rPr lang="zh-TW" altLang="zh-TW" sz="3950" kern="0" dirty="0">
                 <a:solidFill>
                   <a:srgbClr val="202124"/>
                 </a:solidFill>
@@ -4640,7 +4657,7 @@
               <a:t>more accurate prediction results than the </a:t>
             </a:r>
             <a:r>
-              <a:rPr lang="en-US" altLang="zh-TW" sz="4000" kern="0" dirty="0">
+              <a:rPr lang="en-US" altLang="zh-TW" sz="3950" kern="0" dirty="0">
                 <a:solidFill>
                   <a:srgbClr val="202124"/>
                 </a:solidFill>
@@ -4651,7 +4668,7 @@
               <a:t>o</a:t>
             </a:r>
             <a:r>
-              <a:rPr lang="zh-TW" altLang="zh-TW" sz="4000" kern="0" dirty="0">
+              <a:rPr lang="zh-TW" altLang="zh-TW" sz="3950" kern="0" dirty="0">
                 <a:solidFill>
                   <a:srgbClr val="202124"/>
                 </a:solidFill>
@@ -4663,7 +4680,7 @@
               <a:t>riginal Transformer model on word meaning analysis output, </a:t>
             </a:r>
             <a:r>
-              <a:rPr lang="en-US" altLang="zh-TW" sz="4000" kern="0" dirty="0">
+              <a:rPr lang="en-US" altLang="zh-TW" sz="3950" kern="0" dirty="0">
                 <a:solidFill>
                   <a:srgbClr val="202124"/>
                 </a:solidFill>
@@ -4675,7 +4692,7 @@
               <a:t>and thereby </a:t>
             </a:r>
             <a:r>
-              <a:rPr lang="zh-TW" altLang="zh-TW" sz="4000" kern="0" dirty="0">
+              <a:rPr lang="zh-TW" altLang="zh-TW" sz="3950" kern="0" dirty="0">
                 <a:solidFill>
                   <a:srgbClr val="202124"/>
                 </a:solidFill>
@@ -4687,7 +4704,7 @@
               <a:t>improving the </a:t>
             </a:r>
             <a:r>
-              <a:rPr lang="en-US" altLang="zh-TW" sz="4000" kern="0" dirty="0">
+              <a:rPr lang="en-US" altLang="zh-TW" sz="3950" kern="0" dirty="0">
                 <a:solidFill>
                   <a:srgbClr val="202124"/>
                 </a:solidFill>
@@ -4699,7 +4716,7 @@
               <a:t>short-dependency</a:t>
             </a:r>
             <a:r>
-              <a:rPr lang="zh-TW" altLang="zh-TW" sz="4000" kern="0" dirty="0">
+              <a:rPr lang="zh-TW" altLang="zh-TW" sz="3950" kern="0" dirty="0">
                 <a:solidFill>
                   <a:srgbClr val="202124"/>
                 </a:solidFill>
@@ -4711,7 +4728,7 @@
               <a:t> in </a:t>
             </a:r>
             <a:r>
-              <a:rPr lang="en-US" altLang="zh-TW" sz="4000" kern="0" dirty="0">
+              <a:rPr lang="en-US" altLang="zh-TW" sz="3950" kern="0" dirty="0">
                 <a:solidFill>
                   <a:srgbClr val="202124"/>
                 </a:solidFill>
@@ -4723,7 +4740,7 @@
               <a:t>the en</a:t>
             </a:r>
             <a:r>
-              <a:rPr lang="zh-TW" altLang="zh-TW" sz="4000" kern="0" dirty="0">
+              <a:rPr lang="zh-TW" altLang="zh-TW" sz="3950" kern="0" dirty="0">
                 <a:solidFill>
                   <a:srgbClr val="202124"/>
                 </a:solidFill>
@@ -4734,16 +4751,14 @@
               </a:rPr>
               <a:t>coding process.</a:t>
             </a:r>
-            <a:endParaRPr lang="en-US" altLang="zh-TW" sz="4000" kern="100" dirty="0">
+            <a:endParaRPr lang="en-US" altLang="zh-TW" sz="3950" kern="100" dirty="0">
               <a:latin typeface="Times New Roman" panose="02020603050405020304" pitchFamily="18" charset="0"/>
               <a:ea typeface="新細明體" panose="02020500000000000000" pitchFamily="18" charset="-120"/>
               <a:cs typeface="Times New Roman" panose="02020603050405020304" pitchFamily="18" charset="0"/>
             </a:endParaRPr>
           </a:p>
           <a:p>
-            <a:pPr marL="457200" indent="-457200">
-              <a:buFont typeface="Arial" panose="020B0604020202020204" pitchFamily="34" charset="0"/>
-              <a:buChar char="•"/>
+            <a:pPr>
               <a:tabLst>
                 <a:tab pos="581660" algn="l"/>
                 <a:tab pos="1163320" algn="l"/>
@@ -4764,7 +4779,19 @@
               </a:tabLst>
             </a:pPr>
             <a:r>
-              <a:rPr lang="zh-TW" altLang="zh-TW" sz="4000" kern="0" dirty="0">
+              <a:rPr lang="en-US" altLang="zh-TW" sz="3950" kern="0" dirty="0">
+                <a:solidFill>
+                  <a:srgbClr val="202124"/>
+                </a:solidFill>
+                <a:effectLst/>
+                <a:latin typeface="Times New Roman" panose="02020603050405020304" pitchFamily="18" charset="0"/>
+                <a:ea typeface="inherit"/>
+                <a:cs typeface="Times New Roman" panose="02020603050405020304" pitchFamily="18" charset="0"/>
+              </a:rPr>
+              <a:t> </a:t>
+            </a:r>
+            <a:r>
+              <a:rPr lang="zh-TW" altLang="zh-TW" sz="3950" kern="0" dirty="0">
                 <a:solidFill>
                   <a:srgbClr val="202124"/>
                 </a:solidFill>
@@ -4776,7 +4803,7 @@
               <a:t>The results will </a:t>
             </a:r>
             <a:r>
-              <a:rPr lang="en-US" altLang="zh-TW" sz="4000" kern="0" dirty="0">
+              <a:rPr lang="en-US" altLang="zh-TW" sz="3950" kern="0" dirty="0">
                 <a:solidFill>
                   <a:srgbClr val="202124"/>
                 </a:solidFill>
@@ -4788,7 +4815,7 @@
               <a:t>also </a:t>
             </a:r>
             <a:r>
-              <a:rPr lang="zh-TW" altLang="zh-TW" sz="4000" kern="0" dirty="0">
+              <a:rPr lang="zh-TW" altLang="zh-TW" sz="3950" kern="0" dirty="0">
                 <a:solidFill>
                   <a:srgbClr val="202124"/>
                 </a:solidFill>
@@ -4799,7 +4826,7 @@
               </a:rPr>
               <a:t>be applied to other natural language sentiment analysis tasks such as sentiment analysis and social network analysis.</a:t>
             </a:r>
-            <a:endParaRPr lang="zh-TW" altLang="zh-TW" sz="4000" kern="100" dirty="0">
+            <a:endParaRPr lang="zh-TW" altLang="zh-TW" sz="3950" kern="100" dirty="0">
               <a:effectLst/>
               <a:latin typeface="Times New Roman" panose="02020603050405020304" pitchFamily="18" charset="0"/>
               <a:ea typeface="新細明體" panose="02020500000000000000" pitchFamily="18" charset="-120"/>
@@ -5408,8 +5435,8 @@
         </p:blipFill>
         <p:spPr>
           <a:xfrm>
-            <a:off x="26537" y="24393112"/>
-            <a:ext cx="11434997" cy="3407722"/>
+            <a:off x="405566" y="24171152"/>
+            <a:ext cx="11988609" cy="3572703"/>
           </a:xfrm>
           <a:prstGeom prst="rect">
             <a:avLst/>
@@ -5438,8 +5465,8 @@
         </p:blipFill>
         <p:spPr>
           <a:xfrm>
-            <a:off x="74955" y="19191809"/>
-            <a:ext cx="11332045" cy="3407722"/>
+            <a:off x="535911" y="18786255"/>
+            <a:ext cx="11880678" cy="3572704"/>
           </a:xfrm>
           <a:prstGeom prst="rect">
             <a:avLst/>
@@ -5468,8 +5495,8 @@
         </p:blipFill>
         <p:spPr>
           <a:xfrm>
-            <a:off x="11178574" y="6160329"/>
-            <a:ext cx="10863845" cy="2563190"/>
+            <a:off x="11210816" y="6205301"/>
+            <a:ext cx="9957559" cy="2349363"/>
           </a:xfrm>
           <a:prstGeom prst="rect">
             <a:avLst/>
